--- a/PP_INFOSKJERM_169_MORK.pptx
+++ b/PP_INFOSKJERM_169_MORK.pptx
@@ -2,14 +2,16 @@
 <file path=ppt/presentation.xml><?xml version="1.0" encoding="utf-8"?>
 <p:presentation xmlns:a="http://schemas.openxmlformats.org/drawingml/2006/main" xmlns:r="http://schemas.openxmlformats.org/officeDocument/2006/relationships" xmlns:p="http://schemas.openxmlformats.org/presentationml/2006/main" saveSubsetFonts="1">
   <p:sldMasterIdLst>
-    <p:sldMasterId id="2147483648" r:id="rId1"/>
+    <p:sldMasterId id="2147483648" r:id="rId4"/>
   </p:sldMasterIdLst>
   <p:notesMasterIdLst>
-    <p:notesMasterId r:id="rId4"/>
+    <p:notesMasterId r:id="rId9"/>
   </p:notesMasterIdLst>
   <p:sldIdLst>
-    <p:sldId id="256" r:id="rId2"/>
-    <p:sldId id="257" r:id="rId3"/>
+    <p:sldId id="256" r:id="rId5"/>
+    <p:sldId id="257" r:id="rId6"/>
+    <p:sldId id="258" r:id="rId7"/>
+    <p:sldId id="259" r:id="rId8"/>
   </p:sldIdLst>
   <p:sldSz cx="9145588" cy="5145088"/>
   <p:notesSz cx="6858000" cy="9144000"/>
@@ -127,6 +129,14 @@
 </p:presentation>
 </file>
 
+<file path=ppt/revisionInfo.xml><?xml version="1.0" encoding="utf-8"?>
+<p1510:revInfo xmlns:a="http://schemas.openxmlformats.org/drawingml/2006/main" xmlns:r="http://schemas.openxmlformats.org/officeDocument/2006/relationships" xmlns:p1510="http://schemas.microsoft.com/office/powerpoint/2015/10/main">
+  <p1510:revLst>
+    <p1510:client id="{5839399F-A17F-4887-AF8C-F0D1F1D10ACA}" v="4" dt="2021-09-28T08:15:14.572"/>
+  </p1510:revLst>
+</p1510:revInfo>
+</file>
+
 <file path=ppt/notesMasters/notesMaster1.xml><?xml version="1.0" encoding="utf-8"?>
 <p:notesMaster xmlns:a="http://schemas.openxmlformats.org/drawingml/2006/main" xmlns:r="http://schemas.openxmlformats.org/officeDocument/2006/relationships" xmlns:p="http://schemas.openxmlformats.org/presentationml/2006/main">
   <p:cSld>
@@ -209,7 +219,7 @@
           <a:p>
             <a:fld id="{FE3CBABE-916E-4AAD-B057-5389DC7DF64C}" type="datetimeFigureOut">
               <a:rPr lang="nb-NO" smtClean="0"/>
-              <a:t>28.06.2021</a:t>
+              <a:t>05.01.2022</a:t>
             </a:fld>
             <a:endParaRPr lang="nb-NO"/>
           </a:p>
@@ -547,6 +557,328 @@
 
 <file path=ppt/slideLayouts/slideLayout2.xml><?xml version="1.0" encoding="utf-8"?>
 <p:sldLayout xmlns:a="http://schemas.openxmlformats.org/drawingml/2006/main" xmlns:r="http://schemas.openxmlformats.org/officeDocument/2006/relationships" xmlns:p="http://schemas.openxmlformats.org/presentationml/2006/main" preserve="1" userDrawn="1">
+  <p:cSld name="Bilde, tittel og rød strek">
+    <p:spTree>
+      <p:nvGrpSpPr>
+        <p:cNvPr id="1" name=""/>
+        <p:cNvGrpSpPr/>
+        <p:nvPr/>
+      </p:nvGrpSpPr>
+      <p:grpSpPr>
+        <a:xfrm>
+          <a:off x="0" y="0"/>
+          <a:ext cx="0" cy="0"/>
+          <a:chOff x="0" y="0"/>
+          <a:chExt cx="0" cy="0"/>
+        </a:xfrm>
+      </p:grpSpPr>
+      <p:sp>
+        <p:nvSpPr>
+          <p:cNvPr id="10" name="Picture Placeholder 9">
+            <a:extLst>
+              <a:ext uri="{FF2B5EF4-FFF2-40B4-BE49-F238E27FC236}">
+                <a16:creationId xmlns:a16="http://schemas.microsoft.com/office/drawing/2014/main" id="{EBB785D6-56F2-421B-9C6E-0CE161F6B873}"/>
+              </a:ext>
+            </a:extLst>
+          </p:cNvPr>
+          <p:cNvSpPr>
+            <a:spLocks noGrp="1"/>
+          </p:cNvSpPr>
+          <p:nvPr>
+            <p:ph type="pic" sz="quarter" idx="10"/>
+          </p:nvPr>
+        </p:nvSpPr>
+        <p:spPr>
+          <a:xfrm>
+            <a:off x="0" y="0"/>
+            <a:ext cx="9145588" cy="5145088"/>
+          </a:xfrm>
+          <a:solidFill>
+            <a:schemeClr val="bg1">
+              <a:lumMod val="65000"/>
+              <a:lumOff val="35000"/>
+            </a:schemeClr>
+          </a:solidFill>
+        </p:spPr>
+        <p:txBody>
+          <a:bodyPr>
+            <a:normAutofit/>
+          </a:bodyPr>
+          <a:lstStyle>
+            <a:lvl1pPr marL="0" indent="0">
+              <a:buNone/>
+              <a:defRPr sz="1200"/>
+            </a:lvl1pPr>
+          </a:lstStyle>
+          <a:p>
+            <a:endParaRPr lang="en-GB" dirty="0"/>
+          </a:p>
+        </p:txBody>
+      </p:sp>
+      <p:sp>
+        <p:nvSpPr>
+          <p:cNvPr id="17" name="Text Placeholder 16">
+            <a:extLst>
+              <a:ext uri="{FF2B5EF4-FFF2-40B4-BE49-F238E27FC236}">
+                <a16:creationId xmlns:a16="http://schemas.microsoft.com/office/drawing/2014/main" id="{E7A3D93F-B7C3-4F5A-B7D9-2F41E5150842}"/>
+              </a:ext>
+            </a:extLst>
+          </p:cNvPr>
+          <p:cNvSpPr>
+            <a:spLocks noGrp="1"/>
+          </p:cNvSpPr>
+          <p:nvPr>
+            <p:ph type="body" sz="quarter" idx="12"/>
+          </p:nvPr>
+        </p:nvSpPr>
+        <p:spPr>
+          <a:xfrm>
+            <a:off x="-1" y="4419599"/>
+            <a:ext cx="6235196" cy="409576"/>
+          </a:xfrm>
+          <a:blipFill>
+            <a:blip r:embed="rId2">
+              <a:extLst>
+                <a:ext uri="{96DAC541-7B7A-43D3-8B79-37D633B846F1}">
+                  <asvg:svgBlip xmlns:asvg="http://schemas.microsoft.com/office/drawing/2016/SVG/main" r:embed="rId3"/>
+                </a:ext>
+              </a:extLst>
+            </a:blip>
+            <a:stretch>
+              <a:fillRect/>
+            </a:stretch>
+          </a:blipFill>
+        </p:spPr>
+        <p:txBody>
+          <a:bodyPr anchor="ctr"/>
+          <a:lstStyle>
+            <a:lvl1pPr marL="0" indent="0" algn="ctr">
+              <a:buNone/>
+              <a:defRPr>
+                <a:solidFill>
+                  <a:schemeClr val="bg1"/>
+                </a:solidFill>
+              </a:defRPr>
+            </a:lvl1pPr>
+          </a:lstStyle>
+          <a:p>
+            <a:pPr lvl="0"/>
+            <a:endParaRPr lang="en-GB" dirty="0"/>
+          </a:p>
+        </p:txBody>
+      </p:sp>
+      <p:sp>
+        <p:nvSpPr>
+          <p:cNvPr id="5" name="Title 1">
+            <a:extLst>
+              <a:ext uri="{FF2B5EF4-FFF2-40B4-BE49-F238E27FC236}">
+                <a16:creationId xmlns:a16="http://schemas.microsoft.com/office/drawing/2014/main" id="{DBA346C4-9141-4DE3-B9EB-D70AEDA055A3}"/>
+              </a:ext>
+            </a:extLst>
+          </p:cNvPr>
+          <p:cNvSpPr>
+            <a:spLocks noGrp="1"/>
+          </p:cNvSpPr>
+          <p:nvPr>
+            <p:ph type="title"/>
+          </p:nvPr>
+        </p:nvSpPr>
+        <p:spPr>
+          <a:xfrm>
+            <a:off x="628759" y="351954"/>
+            <a:ext cx="7888070" cy="828104"/>
+          </a:xfrm>
+        </p:spPr>
+        <p:txBody>
+          <a:bodyPr/>
+          <a:lstStyle/>
+          <a:p>
+            <a:r>
+              <a:rPr lang="en-US" dirty="0"/>
+              <a:t>Click to edit Master title style</a:t>
+            </a:r>
+            <a:endParaRPr lang="en-GB" dirty="0"/>
+          </a:p>
+        </p:txBody>
+      </p:sp>
+    </p:spTree>
+    <p:extLst>
+      <p:ext uri="{BB962C8B-B14F-4D97-AF65-F5344CB8AC3E}">
+        <p14:creationId xmlns:p14="http://schemas.microsoft.com/office/powerpoint/2010/main" val="1476010077"/>
+      </p:ext>
+    </p:extLst>
+  </p:cSld>
+  <p:clrMapOvr>
+    <a:masterClrMapping/>
+  </p:clrMapOvr>
+</p:sldLayout>
+</file>
+
+<file path=ppt/slideLayouts/slideLayout3.xml><?xml version="1.0" encoding="utf-8"?>
+<p:sldLayout xmlns:a="http://schemas.openxmlformats.org/drawingml/2006/main" xmlns:r="http://schemas.openxmlformats.org/officeDocument/2006/relationships" xmlns:p="http://schemas.openxmlformats.org/presentationml/2006/main" preserve="1" userDrawn="1">
+  <p:cSld name="Bilde og tekst">
+    <p:spTree>
+      <p:nvGrpSpPr>
+        <p:cNvPr id="1" name=""/>
+        <p:cNvGrpSpPr/>
+        <p:nvPr/>
+      </p:nvGrpSpPr>
+      <p:grpSpPr>
+        <a:xfrm>
+          <a:off x="0" y="0"/>
+          <a:ext cx="0" cy="0"/>
+          <a:chOff x="0" y="0"/>
+          <a:chExt cx="0" cy="0"/>
+        </a:xfrm>
+      </p:grpSpPr>
+      <p:sp>
+        <p:nvSpPr>
+          <p:cNvPr id="8" name="Picture Placeholder 9">
+            <a:extLst>
+              <a:ext uri="{FF2B5EF4-FFF2-40B4-BE49-F238E27FC236}">
+                <a16:creationId xmlns:a16="http://schemas.microsoft.com/office/drawing/2014/main" id="{CBBDFCF7-F532-477F-8A1A-E900E1DC9286}"/>
+              </a:ext>
+            </a:extLst>
+          </p:cNvPr>
+          <p:cNvSpPr>
+            <a:spLocks noGrp="1"/>
+          </p:cNvSpPr>
+          <p:nvPr>
+            <p:ph type="pic" sz="quarter" idx="10" hasCustomPrompt="1"/>
+          </p:nvPr>
+        </p:nvSpPr>
+        <p:spPr>
+          <a:xfrm>
+            <a:off x="0" y="0"/>
+            <a:ext cx="9145588" cy="5145088"/>
+          </a:xfrm>
+          <a:solidFill>
+            <a:schemeClr val="bg1">
+              <a:lumMod val="65000"/>
+              <a:lumOff val="35000"/>
+            </a:schemeClr>
+          </a:solidFill>
+        </p:spPr>
+        <p:txBody>
+          <a:bodyPr anchor="b">
+            <a:normAutofit/>
+          </a:bodyPr>
+          <a:lstStyle>
+            <a:lvl1pPr marL="0" indent="0" algn="r">
+              <a:buNone/>
+              <a:defRPr sz="1200"/>
+            </a:lvl1pPr>
+          </a:lstStyle>
+          <a:p>
+            <a:r>
+              <a:rPr lang="nb-NO" dirty="0"/>
+              <a:t>Klikk Sett inn – Bilder – for å endre eller sette inn bilde</a:t>
+            </a:r>
+            <a:endParaRPr lang="en-GB" dirty="0"/>
+          </a:p>
+        </p:txBody>
+      </p:sp>
+      <p:pic>
+        <p:nvPicPr>
+          <p:cNvPr id="7" name="Picture 6" descr="A picture containing text, water, outdoor, shore&#10;&#10;Description automatically generated" hidden="1">
+            <a:extLst>
+              <a:ext uri="{FF2B5EF4-FFF2-40B4-BE49-F238E27FC236}">
+                <a16:creationId xmlns:a16="http://schemas.microsoft.com/office/drawing/2014/main" id="{5926DC9E-0DDA-48BD-AF72-57784B22A7CF}"/>
+              </a:ext>
+            </a:extLst>
+          </p:cNvPr>
+          <p:cNvPicPr>
+            <a:picLocks noChangeAspect="1"/>
+          </p:cNvPicPr>
+          <p:nvPr userDrawn="1"/>
+        </p:nvPicPr>
+        <p:blipFill>
+          <a:blip r:embed="rId2">
+            <a:extLst>
+              <a:ext uri="{28A0092B-C50C-407E-A947-70E740481C1C}">
+                <a14:useLocalDpi xmlns:a14="http://schemas.microsoft.com/office/drawing/2010/main" val="0"/>
+              </a:ext>
+            </a:extLst>
+          </a:blip>
+          <a:stretch>
+            <a:fillRect/>
+          </a:stretch>
+        </p:blipFill>
+        <p:spPr>
+          <a:xfrm>
+            <a:off x="4907" y="0"/>
+            <a:ext cx="9135775" cy="5145088"/>
+          </a:xfrm>
+          <a:prstGeom prst="rect">
+            <a:avLst/>
+          </a:prstGeom>
+        </p:spPr>
+      </p:pic>
+      <p:sp>
+        <p:nvSpPr>
+          <p:cNvPr id="12" name="Text Placeholder 11">
+            <a:extLst>
+              <a:ext uri="{FF2B5EF4-FFF2-40B4-BE49-F238E27FC236}">
+                <a16:creationId xmlns:a16="http://schemas.microsoft.com/office/drawing/2014/main" id="{2FA06A6E-EF01-4423-B229-C83BB34ADB95}"/>
+              </a:ext>
+            </a:extLst>
+          </p:cNvPr>
+          <p:cNvSpPr>
+            <a:spLocks noGrp="1"/>
+          </p:cNvSpPr>
+          <p:nvPr>
+            <p:ph type="body" sz="quarter" idx="11"/>
+          </p:nvPr>
+        </p:nvSpPr>
+        <p:spPr>
+          <a:xfrm>
+            <a:off x="1448727" y="0"/>
+            <a:ext cx="3193239" cy="5145088"/>
+          </a:xfrm>
+          <a:blipFill>
+            <a:blip r:embed="rId3">
+              <a:extLst>
+                <a:ext uri="{96DAC541-7B7A-43D3-8B79-37D633B846F1}">
+                  <asvg:svgBlip xmlns:asvg="http://schemas.microsoft.com/office/drawing/2016/SVG/main" r:embed="rId4"/>
+                </a:ext>
+              </a:extLst>
+            </a:blip>
+            <a:stretch>
+              <a:fillRect/>
+            </a:stretch>
+          </a:blipFill>
+        </p:spPr>
+        <p:txBody>
+          <a:bodyPr lIns="612000" rIns="468000" anchor="ctr">
+            <a:normAutofit/>
+          </a:bodyPr>
+          <a:lstStyle>
+            <a:lvl1pPr marL="0" indent="0" algn="l">
+              <a:buNone/>
+              <a:defRPr sz="2400"/>
+            </a:lvl1pPr>
+          </a:lstStyle>
+          <a:p>
+            <a:pPr lvl="0"/>
+            <a:endParaRPr lang="nb-NO" noProof="0" dirty="0"/>
+          </a:p>
+        </p:txBody>
+      </p:sp>
+    </p:spTree>
+    <p:extLst>
+      <p:ext uri="{BB962C8B-B14F-4D97-AF65-F5344CB8AC3E}">
+        <p14:creationId xmlns:p14="http://schemas.microsoft.com/office/powerpoint/2010/main" val="3272986611"/>
+      </p:ext>
+    </p:extLst>
+  </p:cSld>
+  <p:clrMapOvr>
+    <a:masterClrMapping/>
+  </p:clrMapOvr>
+</p:sldLayout>
+</file>
+
+<file path=ppt/slideLayouts/slideLayout4.xml><?xml version="1.0" encoding="utf-8"?>
+<p:sldLayout xmlns:a="http://schemas.openxmlformats.org/drawingml/2006/main" xmlns:r="http://schemas.openxmlformats.org/officeDocument/2006/relationships" xmlns:p="http://schemas.openxmlformats.org/presentationml/2006/main" preserve="1" userDrawn="1">
   <p:cSld name="Tittellysbilde">
     <p:spTree>
       <p:nvGrpSpPr>
@@ -849,7 +1181,7 @@
 </p:sldLayout>
 </file>
 
-<file path=ppt/slideLayouts/slideLayout3.xml><?xml version="1.0" encoding="utf-8"?>
+<file path=ppt/slideLayouts/slideLayout5.xml><?xml version="1.0" encoding="utf-8"?>
 <p:sldLayout xmlns:a="http://schemas.openxmlformats.org/drawingml/2006/main" xmlns:r="http://schemas.openxmlformats.org/officeDocument/2006/relationships" xmlns:p="http://schemas.openxmlformats.org/presentationml/2006/main" type="obj" preserve="1">
   <p:cSld name="Tittel og innhold">
     <p:spTree>
@@ -1129,7 +1461,7 @@
 </p:sldLayout>
 </file>
 
-<file path=ppt/slideLayouts/slideLayout4.xml><?xml version="1.0" encoding="utf-8"?>
+<file path=ppt/slideLayouts/slideLayout6.xml><?xml version="1.0" encoding="utf-8"?>
 <p:sldLayout xmlns:a="http://schemas.openxmlformats.org/drawingml/2006/main" xmlns:r="http://schemas.openxmlformats.org/officeDocument/2006/relationships" xmlns:p="http://schemas.openxmlformats.org/presentationml/2006/main" preserve="1" userDrawn="1">
   <p:cSld name="To innholdsdeler">
     <p:spTree>
@@ -1471,7 +1803,7 @@
 </p:sldLayout>
 </file>
 
-<file path=ppt/slideLayouts/slideLayout5.xml><?xml version="1.0" encoding="utf-8"?>
+<file path=ppt/slideLayouts/slideLayout7.xml><?xml version="1.0" encoding="utf-8"?>
 <p:sldLayout xmlns:a="http://schemas.openxmlformats.org/drawingml/2006/main" xmlns:r="http://schemas.openxmlformats.org/officeDocument/2006/relationships" xmlns:p="http://schemas.openxmlformats.org/presentationml/2006/main" type="titleOnly" preserve="1">
   <p:cSld name="Bare tittel">
     <p:spTree>
@@ -1699,7 +2031,7 @@
 </p:sldLayout>
 </file>
 
-<file path=ppt/slideLayouts/slideLayout6.xml><?xml version="1.0" encoding="utf-8"?>
+<file path=ppt/slideLayouts/slideLayout8.xml><?xml version="1.0" encoding="utf-8"?>
 <p:sldLayout xmlns:a="http://schemas.openxmlformats.org/drawingml/2006/main" xmlns:r="http://schemas.openxmlformats.org/officeDocument/2006/relationships" xmlns:p="http://schemas.openxmlformats.org/presentationml/2006/main" type="blank" preserve="1">
   <p:cSld name="Tomt">
     <p:spTree>
@@ -2085,7 +2417,7 @@
           <p:nvPr userDrawn="1"/>
         </p:nvPicPr>
         <p:blipFill>
-          <a:blip r:embed="rId8" cstate="print">
+          <a:blip r:embed="rId10" cstate="print">
             <a:extLst>
               <a:ext uri="{28A0092B-C50C-407E-A947-70E740481C1C}">
                 <a14:useLocalDpi xmlns:a14="http://schemas.microsoft.com/office/drawing/2010/main" val="0"/>
@@ -2116,11 +2448,13 @@
   <p:clrMap bg1="dk1" tx1="lt1" bg2="dk2" tx2="lt2" accent1="accent1" accent2="accent2" accent3="accent3" accent4="accent4" accent5="accent5" accent6="accent6" hlink="hlink" folHlink="folHlink"/>
   <p:sldLayoutIdLst>
     <p:sldLayoutId id="2147483660" r:id="rId1"/>
-    <p:sldLayoutId id="2147483649" r:id="rId2"/>
-    <p:sldLayoutId id="2147483650" r:id="rId3"/>
-    <p:sldLayoutId id="2147483652" r:id="rId4"/>
-    <p:sldLayoutId id="2147483654" r:id="rId5"/>
-    <p:sldLayoutId id="2147483655" r:id="rId6"/>
+    <p:sldLayoutId id="2147483661" r:id="rId2"/>
+    <p:sldLayoutId id="2147483662" r:id="rId3"/>
+    <p:sldLayoutId id="2147483649" r:id="rId4"/>
+    <p:sldLayoutId id="2147483650" r:id="rId5"/>
+    <p:sldLayoutId id="2147483652" r:id="rId6"/>
+    <p:sldLayoutId id="2147483654" r:id="rId7"/>
+    <p:sldLayoutId id="2147483655" r:id="rId8"/>
   </p:sldLayoutIdLst>
   <p:hf sldNum="0" hdr="0" dt="0"/>
   <p:txStyles>
@@ -2533,10 +2867,181 @@
 </p:sld>
 </file>
 
+<file path=ppt/slides/slide3.xml><?xml version="1.0" encoding="utf-8"?>
+<p:sld xmlns:a="http://schemas.openxmlformats.org/drawingml/2006/main" xmlns:r="http://schemas.openxmlformats.org/officeDocument/2006/relationships" xmlns:p="http://schemas.openxmlformats.org/presentationml/2006/main">
+  <p:cSld>
+    <p:spTree>
+      <p:nvGrpSpPr>
+        <p:cNvPr id="1" name=""/>
+        <p:cNvGrpSpPr/>
+        <p:nvPr/>
+      </p:nvGrpSpPr>
+      <p:grpSpPr>
+        <a:xfrm>
+          <a:off x="0" y="0"/>
+          <a:ext cx="0" cy="0"/>
+          <a:chOff x="0" y="0"/>
+          <a:chExt cx="0" cy="0"/>
+        </a:xfrm>
+      </p:grpSpPr>
+      <p:sp>
+        <p:nvSpPr>
+          <p:cNvPr id="2" name="Picture Placeholder 1">
+            <a:extLst>
+              <a:ext uri="{FF2B5EF4-FFF2-40B4-BE49-F238E27FC236}">
+                <a16:creationId xmlns:a16="http://schemas.microsoft.com/office/drawing/2014/main" id="{9E673A7B-1854-468D-932D-53D0408E8B61}"/>
+              </a:ext>
+            </a:extLst>
+          </p:cNvPr>
+          <p:cNvSpPr>
+            <a:spLocks noGrp="1"/>
+          </p:cNvSpPr>
+          <p:nvPr>
+            <p:ph type="pic" sz="quarter" idx="10"/>
+          </p:nvPr>
+        </p:nvSpPr>
+        <p:spPr/>
+      </p:sp>
+      <p:sp>
+        <p:nvSpPr>
+          <p:cNvPr id="3" name="Text Placeholder 2">
+            <a:extLst>
+              <a:ext uri="{FF2B5EF4-FFF2-40B4-BE49-F238E27FC236}">
+                <a16:creationId xmlns:a16="http://schemas.microsoft.com/office/drawing/2014/main" id="{46DB6E20-96D2-4BD5-8FB8-4C92793B8578}"/>
+              </a:ext>
+            </a:extLst>
+          </p:cNvPr>
+          <p:cNvSpPr>
+            <a:spLocks noGrp="1"/>
+          </p:cNvSpPr>
+          <p:nvPr>
+            <p:ph type="body" sz="quarter" idx="12"/>
+          </p:nvPr>
+        </p:nvSpPr>
+        <p:spPr/>
+        <p:txBody>
+          <a:bodyPr/>
+          <a:lstStyle/>
+          <a:p>
+            <a:endParaRPr lang="en-US"/>
+          </a:p>
+        </p:txBody>
+      </p:sp>
+      <p:sp>
+        <p:nvSpPr>
+          <p:cNvPr id="4" name="Title 3">
+            <a:extLst>
+              <a:ext uri="{FF2B5EF4-FFF2-40B4-BE49-F238E27FC236}">
+                <a16:creationId xmlns:a16="http://schemas.microsoft.com/office/drawing/2014/main" id="{C07D5D43-32DA-4C52-BBA2-9E0A715840E8}"/>
+              </a:ext>
+            </a:extLst>
+          </p:cNvPr>
+          <p:cNvSpPr>
+            <a:spLocks noGrp="1"/>
+          </p:cNvSpPr>
+          <p:nvPr>
+            <p:ph type="title"/>
+          </p:nvPr>
+        </p:nvSpPr>
+        <p:spPr/>
+        <p:txBody>
+          <a:bodyPr/>
+          <a:lstStyle/>
+          <a:p>
+            <a:endParaRPr lang="en-US"/>
+          </a:p>
+        </p:txBody>
+      </p:sp>
+    </p:spTree>
+    <p:extLst>
+      <p:ext uri="{BB962C8B-B14F-4D97-AF65-F5344CB8AC3E}">
+        <p14:creationId xmlns:p14="http://schemas.microsoft.com/office/powerpoint/2010/main" val="1777019302"/>
+      </p:ext>
+    </p:extLst>
+  </p:cSld>
+  <p:clrMapOvr>
+    <a:masterClrMapping/>
+  </p:clrMapOvr>
+</p:sld>
+</file>
+
+<file path=ppt/slides/slide4.xml><?xml version="1.0" encoding="utf-8"?>
+<p:sld xmlns:a="http://schemas.openxmlformats.org/drawingml/2006/main" xmlns:r="http://schemas.openxmlformats.org/officeDocument/2006/relationships" xmlns:p="http://schemas.openxmlformats.org/presentationml/2006/main">
+  <p:cSld>
+    <p:spTree>
+      <p:nvGrpSpPr>
+        <p:cNvPr id="1" name=""/>
+        <p:cNvGrpSpPr/>
+        <p:nvPr/>
+      </p:nvGrpSpPr>
+      <p:grpSpPr>
+        <a:xfrm>
+          <a:off x="0" y="0"/>
+          <a:ext cx="0" cy="0"/>
+          <a:chOff x="0" y="0"/>
+          <a:chExt cx="0" cy="0"/>
+        </a:xfrm>
+      </p:grpSpPr>
+      <p:sp>
+        <p:nvSpPr>
+          <p:cNvPr id="2" name="Picture Placeholder 1">
+            <a:extLst>
+              <a:ext uri="{FF2B5EF4-FFF2-40B4-BE49-F238E27FC236}">
+                <a16:creationId xmlns:a16="http://schemas.microsoft.com/office/drawing/2014/main" id="{85EC0416-4B18-4AFF-A92A-587887EE82EA}"/>
+              </a:ext>
+            </a:extLst>
+          </p:cNvPr>
+          <p:cNvSpPr>
+            <a:spLocks noGrp="1"/>
+          </p:cNvSpPr>
+          <p:nvPr>
+            <p:ph type="pic" sz="quarter" idx="10"/>
+          </p:nvPr>
+        </p:nvSpPr>
+        <p:spPr/>
+      </p:sp>
+      <p:sp>
+        <p:nvSpPr>
+          <p:cNvPr id="3" name="Text Placeholder 2">
+            <a:extLst>
+              <a:ext uri="{FF2B5EF4-FFF2-40B4-BE49-F238E27FC236}">
+                <a16:creationId xmlns:a16="http://schemas.microsoft.com/office/drawing/2014/main" id="{0A5CA26D-E01F-44F9-82A7-2A40C256628F}"/>
+              </a:ext>
+            </a:extLst>
+          </p:cNvPr>
+          <p:cNvSpPr>
+            <a:spLocks noGrp="1"/>
+          </p:cNvSpPr>
+          <p:nvPr>
+            <p:ph type="body" sz="quarter" idx="11"/>
+          </p:nvPr>
+        </p:nvSpPr>
+        <p:spPr/>
+        <p:txBody>
+          <a:bodyPr/>
+          <a:lstStyle/>
+          <a:p>
+            <a:endParaRPr lang="en-US"/>
+          </a:p>
+        </p:txBody>
+      </p:sp>
+    </p:spTree>
+    <p:extLst>
+      <p:ext uri="{BB962C8B-B14F-4D97-AF65-F5344CB8AC3E}">
+        <p14:creationId xmlns:p14="http://schemas.microsoft.com/office/powerpoint/2010/main" val="475631809"/>
+      </p:ext>
+    </p:extLst>
+  </p:cSld>
+  <p:clrMapOvr>
+    <a:masterClrMapping/>
+  </p:clrMapOvr>
+</p:sld>
+</file>
+
 <file path=ppt/theme/theme1.xml><?xml version="1.0" encoding="utf-8"?>
 <a:theme xmlns:a="http://schemas.openxmlformats.org/drawingml/2006/main" name="Office-tema">
   <a:themeElements>
-    <a:clrScheme name="Egendefinert 13">
+    <a:clrScheme name="Bergen kommune">
       <a:dk1>
         <a:sysClr val="windowText" lastClr="000000"/>
       </a:dk1>
@@ -2547,31 +3052,31 @@
         <a:srgbClr val="DC1E23"/>
       </a:dk2>
       <a:lt2>
-        <a:srgbClr val="BF9D23"/>
+        <a:srgbClr val="F2F2F2"/>
       </a:lt2>
       <a:accent1>
         <a:srgbClr val="DC1E23"/>
       </a:accent1>
       <a:accent2>
-        <a:srgbClr val="BF9D23"/>
+        <a:srgbClr val="164B81"/>
       </a:accent2>
       <a:accent3>
         <a:srgbClr val="702C80"/>
       </a:accent3>
       <a:accent4>
-        <a:srgbClr val="164B81"/>
+        <a:srgbClr val="BF9D23"/>
       </a:accent4>
       <a:accent5>
-        <a:srgbClr val="428527"/>
+        <a:srgbClr val="F6EDCE"/>
       </a:accent5>
       <a:accent6>
-        <a:srgbClr val="EDDC9E"/>
+        <a:srgbClr val="117845"/>
       </a:accent6>
       <a:hlink>
-        <a:srgbClr val="0563C1"/>
+        <a:srgbClr val="164B81"/>
       </a:hlink>
       <a:folHlink>
-        <a:srgbClr val="954F72"/>
+        <a:srgbClr val="702C80"/>
       </a:folHlink>
     </a:clrScheme>
     <a:fontScheme name="Custom 2">
@@ -2728,7 +3233,7 @@
   <a:extraClrSchemeLst/>
   <a:extLst>
     <a:ext uri="{05A4C25C-085E-4340-85A3-A5531E510DB2}">
-      <thm15:themeFamily xmlns:thm15="http://schemas.microsoft.com/office/thememl/2012/main" name="PPT_infoskjerm_widescreen_mørk.potx" id="{A98368A0-6296-422E-8556-99C02EB32176}" vid="{0440DC57-954F-4A1D-A9A6-2CD6804BEA6D}"/>
+      <thm15:themeFamily xmlns:thm15="http://schemas.microsoft.com/office/thememl/2012/main" name="PP_INFOSKJERM_169_MORK.potx" id="{F56C1D06-75EB-4B5A-B6FD-D3E7C309692B}" vid="{7CF599BC-5E7B-4EAD-999E-6962CDE02C0C}"/>
     </a:ext>
   </a:extLst>
 </a:theme>
@@ -2993,4 +3498,244 @@
     </a:ext>
   </a:extLst>
 </a:theme>
+</file>
+
+<file path=customXml/item1.xml><?xml version="1.0" encoding="utf-8"?>
+<ct:contentTypeSchema xmlns:ct="http://schemas.microsoft.com/office/2006/metadata/contentType" xmlns:ma="http://schemas.microsoft.com/office/2006/metadata/properties/metaAttributes" ct:_="" ma:_="" ma:contentTypeName="Dokument" ma:contentTypeID="0x010100D982FC97A4EB864EBF6B6ADD443A67CC" ma:contentTypeVersion="11" ma:contentTypeDescription="Opprett et nytt dokument." ma:contentTypeScope="" ma:versionID="1243dad0bdc800c2168160044757ccfa">
+  <xsd:schema xmlns:xsd="http://www.w3.org/2001/XMLSchema" xmlns:xs="http://www.w3.org/2001/XMLSchema" xmlns:p="http://schemas.microsoft.com/office/2006/metadata/properties" xmlns:ns2="3b00a67f-9791-437e-b702-303a706ea042" targetNamespace="http://schemas.microsoft.com/office/2006/metadata/properties" ma:root="true" ma:fieldsID="9f2b7ce840c78a2065a44a5a957cc1d0" ns2:_="">
+    <xsd:import namespace="3b00a67f-9791-437e-b702-303a706ea042"/>
+    <xsd:element name="properties">
+      <xsd:complexType>
+        <xsd:sequence>
+          <xsd:element name="documentManagement">
+            <xsd:complexType>
+              <xsd:all>
+                <xsd:element ref="ns2:MediaServiceMetadata" minOccurs="0"/>
+                <xsd:element ref="ns2:MediaServiceFastMetadata" minOccurs="0"/>
+                <xsd:element ref="ns2:MediaServiceAutoTags" minOccurs="0"/>
+                <xsd:element ref="ns2:MediaServiceGenerationTime" minOccurs="0"/>
+                <xsd:element ref="ns2:MediaServiceEventHashCode" minOccurs="0"/>
+                <xsd:element ref="ns2:MediaServiceDateTaken" minOccurs="0"/>
+                <xsd:element ref="ns2:MediaServiceOCR" minOccurs="0"/>
+                <xsd:element ref="ns2:MediaServiceAutoKeyPoints" minOccurs="0"/>
+                <xsd:element ref="ns2:MediaServiceKeyPoints" minOccurs="0"/>
+                <xsd:element ref="ns2:MediaServiceLocation" minOccurs="0"/>
+                <xsd:element ref="ns2:MediaLengthInSeconds" minOccurs="0"/>
+              </xsd:all>
+            </xsd:complexType>
+          </xsd:element>
+        </xsd:sequence>
+      </xsd:complexType>
+    </xsd:element>
+  </xsd:schema>
+  <xsd:schema xmlns:xsd="http://www.w3.org/2001/XMLSchema" xmlns:xs="http://www.w3.org/2001/XMLSchema" xmlns:dms="http://schemas.microsoft.com/office/2006/documentManagement/types" xmlns:pc="http://schemas.microsoft.com/office/infopath/2007/PartnerControls" targetNamespace="3b00a67f-9791-437e-b702-303a706ea042" elementFormDefault="qualified">
+    <xsd:import namespace="http://schemas.microsoft.com/office/2006/documentManagement/types"/>
+    <xsd:import namespace="http://schemas.microsoft.com/office/infopath/2007/PartnerControls"/>
+    <xsd:element name="MediaServiceMetadata" ma:index="8" nillable="true" ma:displayName="MediaServiceMetadata" ma:hidden="true" ma:internalName="MediaServiceMetadata" ma:readOnly="true">
+      <xsd:simpleType>
+        <xsd:restriction base="dms:Note"/>
+      </xsd:simpleType>
+    </xsd:element>
+    <xsd:element name="MediaServiceFastMetadata" ma:index="9" nillable="true" ma:displayName="MediaServiceFastMetadata" ma:hidden="true" ma:internalName="MediaServiceFastMetadata" ma:readOnly="true">
+      <xsd:simpleType>
+        <xsd:restriction base="dms:Note"/>
+      </xsd:simpleType>
+    </xsd:element>
+    <xsd:element name="MediaServiceAutoTags" ma:index="10" nillable="true" ma:displayName="Tags" ma:internalName="MediaServiceAutoTags" ma:readOnly="true">
+      <xsd:simpleType>
+        <xsd:restriction base="dms:Text"/>
+      </xsd:simpleType>
+    </xsd:element>
+    <xsd:element name="MediaServiceGenerationTime" ma:index="11" nillable="true" ma:displayName="MediaServiceGenerationTime" ma:hidden="true" ma:internalName="MediaServiceGenerationTime" ma:readOnly="true">
+      <xsd:simpleType>
+        <xsd:restriction base="dms:Text"/>
+      </xsd:simpleType>
+    </xsd:element>
+    <xsd:element name="MediaServiceEventHashCode" ma:index="12" nillable="true" ma:displayName="MediaServiceEventHashCode" ma:hidden="true" ma:internalName="MediaServiceEventHashCode" ma:readOnly="true">
+      <xsd:simpleType>
+        <xsd:restriction base="dms:Text"/>
+      </xsd:simpleType>
+    </xsd:element>
+    <xsd:element name="MediaServiceDateTaken" ma:index="13" nillable="true" ma:displayName="MediaServiceDateTaken" ma:hidden="true" ma:internalName="MediaServiceDateTaken" ma:readOnly="true">
+      <xsd:simpleType>
+        <xsd:restriction base="dms:Text"/>
+      </xsd:simpleType>
+    </xsd:element>
+    <xsd:element name="MediaServiceOCR" ma:index="14" nillable="true" ma:displayName="Extracted Text" ma:internalName="MediaServiceOCR" ma:readOnly="true">
+      <xsd:simpleType>
+        <xsd:restriction base="dms:Note">
+          <xsd:maxLength value="255"/>
+        </xsd:restriction>
+      </xsd:simpleType>
+    </xsd:element>
+    <xsd:element name="MediaServiceAutoKeyPoints" ma:index="15" nillable="true" ma:displayName="MediaServiceAutoKeyPoints" ma:hidden="true" ma:internalName="MediaServiceAutoKeyPoints" ma:readOnly="true">
+      <xsd:simpleType>
+        <xsd:restriction base="dms:Note"/>
+      </xsd:simpleType>
+    </xsd:element>
+    <xsd:element name="MediaServiceKeyPoints" ma:index="16" nillable="true" ma:displayName="KeyPoints" ma:internalName="MediaServiceKeyPoints" ma:readOnly="true">
+      <xsd:simpleType>
+        <xsd:restriction base="dms:Note">
+          <xsd:maxLength value="255"/>
+        </xsd:restriction>
+      </xsd:simpleType>
+    </xsd:element>
+    <xsd:element name="MediaServiceLocation" ma:index="17" nillable="true" ma:displayName="Location" ma:internalName="MediaServiceLocation" ma:readOnly="true">
+      <xsd:simpleType>
+        <xsd:restriction base="dms:Text"/>
+      </xsd:simpleType>
+    </xsd:element>
+    <xsd:element name="MediaLengthInSeconds" ma:index="18" nillable="true" ma:displayName="Length (seconds)" ma:internalName="MediaLengthInSeconds" ma:readOnly="true">
+      <xsd:simpleType>
+        <xsd:restriction base="dms:Unknown"/>
+      </xsd:simpleType>
+    </xsd:element>
+  </xsd:schema>
+  <xsd:schema xmlns="http://schemas.openxmlformats.org/package/2006/metadata/core-properties" xmlns:xsd="http://www.w3.org/2001/XMLSchema" xmlns:xsi="http://www.w3.org/2001/XMLSchema-instance" xmlns:dc="http://purl.org/dc/elements/1.1/" xmlns:dcterms="http://purl.org/dc/terms/" xmlns:odoc="http://schemas.microsoft.com/internal/obd" targetNamespace="http://schemas.openxmlformats.org/package/2006/metadata/core-properties" elementFormDefault="qualified" attributeFormDefault="unqualified" blockDefault="#all">
+    <xsd:import namespace="http://purl.org/dc/elements/1.1/" schemaLocation="http://dublincore.org/schemas/xmls/qdc/2003/04/02/dc.xsd"/>
+    <xsd:import namespace="http://purl.org/dc/terms/" schemaLocation="http://dublincore.org/schemas/xmls/qdc/2003/04/02/dcterms.xsd"/>
+    <xsd:element name="coreProperties" type="CT_coreProperties"/>
+    <xsd:complexType name="CT_coreProperties">
+      <xsd:all>
+        <xsd:element ref="dc:creator" minOccurs="0" maxOccurs="1"/>
+        <xsd:element ref="dcterms:created" minOccurs="0" maxOccurs="1"/>
+        <xsd:element ref="dc:identifier" minOccurs="0" maxOccurs="1"/>
+        <xsd:element name="contentType" minOccurs="0" maxOccurs="1" type="xsd:string" ma:index="0" ma:displayName="Innholdstype"/>
+        <xsd:element ref="dc:title" minOccurs="0" maxOccurs="1" ma:index="4" ma:displayName="Tittel"/>
+        <xsd:element ref="dc:subject" minOccurs="0" maxOccurs="1"/>
+        <xsd:element ref="dc:description" minOccurs="0" maxOccurs="1"/>
+        <xsd:element name="keywords" minOccurs="0" maxOccurs="1" type="xsd:string"/>
+        <xsd:element ref="dc:language" minOccurs="0" maxOccurs="1"/>
+        <xsd:element name="category" minOccurs="0" maxOccurs="1" type="xsd:string"/>
+        <xsd:element name="version" minOccurs="0" maxOccurs="1" type="xsd:string"/>
+        <xsd:element name="revision" minOccurs="0" maxOccurs="1" type="xsd:string">
+          <xsd:annotation>
+            <xsd:documentation>
+                        This value indicates the number of saves or revisions. The application is responsible for updating this value after each revision.
+                    </xsd:documentation>
+          </xsd:annotation>
+        </xsd:element>
+        <xsd:element name="lastModifiedBy" minOccurs="0" maxOccurs="1" type="xsd:string"/>
+        <xsd:element ref="dcterms:modified" minOccurs="0" maxOccurs="1"/>
+        <xsd:element name="contentStatus" minOccurs="0" maxOccurs="1" type="xsd:string"/>
+      </xsd:all>
+    </xsd:complexType>
+  </xsd:schema>
+  <xs:schema xmlns:pc="http://schemas.microsoft.com/office/infopath/2007/PartnerControls" xmlns:xs="http://www.w3.org/2001/XMLSchema" targetNamespace="http://schemas.microsoft.com/office/infopath/2007/PartnerControls" elementFormDefault="qualified" attributeFormDefault="unqualified">
+    <xs:element name="Person">
+      <xs:complexType>
+        <xs:sequence>
+          <xs:element ref="pc:DisplayName" minOccurs="0"/>
+          <xs:element ref="pc:AccountId" minOccurs="0"/>
+          <xs:element ref="pc:AccountType" minOccurs="0"/>
+        </xs:sequence>
+      </xs:complexType>
+    </xs:element>
+    <xs:element name="DisplayName" type="xs:string"/>
+    <xs:element name="AccountId" type="xs:string"/>
+    <xs:element name="AccountType" type="xs:string"/>
+    <xs:element name="BDCAssociatedEntity">
+      <xs:complexType>
+        <xs:sequence>
+          <xs:element ref="pc:BDCEntity" minOccurs="0" maxOccurs="unbounded"/>
+        </xs:sequence>
+        <xs:attribute ref="pc:EntityNamespace"/>
+        <xs:attribute ref="pc:EntityName"/>
+        <xs:attribute ref="pc:SystemInstanceName"/>
+        <xs:attribute ref="pc:AssociationName"/>
+      </xs:complexType>
+    </xs:element>
+    <xs:attribute name="EntityNamespace" type="xs:string"/>
+    <xs:attribute name="EntityName" type="xs:string"/>
+    <xs:attribute name="SystemInstanceName" type="xs:string"/>
+    <xs:attribute name="AssociationName" type="xs:string"/>
+    <xs:element name="BDCEntity">
+      <xs:complexType>
+        <xs:sequence>
+          <xs:element ref="pc:EntityDisplayName" minOccurs="0"/>
+          <xs:element ref="pc:EntityInstanceReference" minOccurs="0"/>
+          <xs:element ref="pc:EntityId1" minOccurs="0"/>
+          <xs:element ref="pc:EntityId2" minOccurs="0"/>
+          <xs:element ref="pc:EntityId3" minOccurs="0"/>
+          <xs:element ref="pc:EntityId4" minOccurs="0"/>
+          <xs:element ref="pc:EntityId5" minOccurs="0"/>
+        </xs:sequence>
+      </xs:complexType>
+    </xs:element>
+    <xs:element name="EntityDisplayName" type="xs:string"/>
+    <xs:element name="EntityInstanceReference" type="xs:string"/>
+    <xs:element name="EntityId1" type="xs:string"/>
+    <xs:element name="EntityId2" type="xs:string"/>
+    <xs:element name="EntityId3" type="xs:string"/>
+    <xs:element name="EntityId4" type="xs:string"/>
+    <xs:element name="EntityId5" type="xs:string"/>
+    <xs:element name="Terms">
+      <xs:complexType>
+        <xs:sequence>
+          <xs:element ref="pc:TermInfo" minOccurs="0" maxOccurs="unbounded"/>
+        </xs:sequence>
+      </xs:complexType>
+    </xs:element>
+    <xs:element name="TermInfo">
+      <xs:complexType>
+        <xs:sequence>
+          <xs:element ref="pc:TermName" minOccurs="0"/>
+          <xs:element ref="pc:TermId" minOccurs="0"/>
+        </xs:sequence>
+      </xs:complexType>
+    </xs:element>
+    <xs:element name="TermName" type="xs:string"/>
+    <xs:element name="TermId" type="xs:string"/>
+  </xs:schema>
+</ct:contentTypeSchema>
+</file>
+
+<file path=customXml/item2.xml><?xml version="1.0" encoding="utf-8"?>
+<?mso-contentType ?>
+<FormTemplates xmlns="http://schemas.microsoft.com/sharepoint/v3/contenttype/forms">
+  <Display>DocumentLibraryForm</Display>
+  <Edit>DocumentLibraryForm</Edit>
+  <New>DocumentLibraryForm</New>
+</FormTemplates>
+</file>
+
+<file path=customXml/item3.xml><?xml version="1.0" encoding="utf-8"?>
+<p:properties xmlns:p="http://schemas.microsoft.com/office/2006/metadata/properties" xmlns:xsi="http://www.w3.org/2001/XMLSchema-instance" xmlns:pc="http://schemas.microsoft.com/office/infopath/2007/PartnerControls">
+  <documentManagement/>
+</p:properties>
+</file>
+
+<file path=customXml/itemProps1.xml><?xml version="1.0" encoding="utf-8"?>
+<ds:datastoreItem xmlns:ds="http://schemas.openxmlformats.org/officeDocument/2006/customXml" ds:itemID="{3CF1DEA9-651B-4C66-A45F-CA6D866736BB}">
+  <ds:schemaRefs>
+    <ds:schemaRef ds:uri="http://schemas.microsoft.com/office/2006/metadata/contentType"/>
+    <ds:schemaRef ds:uri="http://schemas.microsoft.com/office/2006/metadata/properties/metaAttributes"/>
+    <ds:schemaRef ds:uri="http://www.w3.org/2001/XMLSchema"/>
+    <ds:schemaRef ds:uri="http://schemas.microsoft.com/office/2006/metadata/properties"/>
+    <ds:schemaRef ds:uri="3b00a67f-9791-437e-b702-303a706ea042"/>
+    <ds:schemaRef ds:uri="http://schemas.microsoft.com/office/2006/documentManagement/types"/>
+    <ds:schemaRef ds:uri="http://schemas.microsoft.com/office/infopath/2007/PartnerControls"/>
+    <ds:schemaRef ds:uri="http://schemas.openxmlformats.org/package/2006/metadata/core-properties"/>
+    <ds:schemaRef ds:uri="http://purl.org/dc/elements/1.1/"/>
+    <ds:schemaRef ds:uri="http://purl.org/dc/terms/"/>
+    <ds:schemaRef ds:uri="http://schemas.microsoft.com/internal/obd"/>
+  </ds:schemaRefs>
+</ds:datastoreItem>
+</file>
+
+<file path=customXml/itemProps2.xml><?xml version="1.0" encoding="utf-8"?>
+<ds:datastoreItem xmlns:ds="http://schemas.openxmlformats.org/officeDocument/2006/customXml" ds:itemID="{4E0EA61D-A54B-4D20-BBE7-6B4079EB5D4F}">
+  <ds:schemaRefs>
+    <ds:schemaRef ds:uri="http://schemas.microsoft.com/sharepoint/v3/contenttype/forms"/>
+  </ds:schemaRefs>
+</ds:datastoreItem>
+</file>
+
+<file path=customXml/itemProps3.xml><?xml version="1.0" encoding="utf-8"?>
+<ds:datastoreItem xmlns:ds="http://schemas.openxmlformats.org/officeDocument/2006/customXml" ds:itemID="{ECC4D8C3-78DB-4853-A836-2FB30DA86292}">
+  <ds:schemaRefs>
+    <ds:schemaRef ds:uri="http://schemas.microsoft.com/office/2006/metadata/properties"/>
+    <ds:schemaRef ds:uri="http://schemas.microsoft.com/office/infopath/2007/PartnerControls"/>
+  </ds:schemaRefs>
+</ds:datastoreItem>
 </file>
--- a/PP_INFOSKJERM_169_MORK.pptx
+++ b/PP_INFOSKJERM_169_MORK.pptx
@@ -129,14 +129,6 @@
 </p:presentation>
 </file>
 
-<file path=ppt/revisionInfo.xml><?xml version="1.0" encoding="utf-8"?>
-<p1510:revInfo xmlns:a="http://schemas.openxmlformats.org/drawingml/2006/main" xmlns:r="http://schemas.openxmlformats.org/officeDocument/2006/relationships" xmlns:p1510="http://schemas.microsoft.com/office/powerpoint/2015/10/main">
-  <p1510:revLst>
-    <p1510:client id="{5839399F-A17F-4887-AF8C-F0D1F1D10ACA}" v="4" dt="2021-09-28T08:15:14.572"/>
-  </p1510:revLst>
-</p1510:revInfo>
-</file>
-
 <file path=ppt/notesMasters/notesMaster1.xml><?xml version="1.0" encoding="utf-8"?>
 <p:notesMaster xmlns:a="http://schemas.openxmlformats.org/drawingml/2006/main" xmlns:r="http://schemas.openxmlformats.org/officeDocument/2006/relationships" xmlns:p="http://schemas.openxmlformats.org/presentationml/2006/main">
   <p:cSld>
@@ -219,7 +211,7 @@
           <a:p>
             <a:fld id="{FE3CBABE-916E-4AAD-B057-5389DC7DF64C}" type="datetimeFigureOut">
               <a:rPr lang="nb-NO" smtClean="0"/>
-              <a:t>05.01.2022</a:t>
+              <a:t>13.07.2022</a:t>
             </a:fld>
             <a:endParaRPr lang="nb-NO"/>
           </a:p>
@@ -555,6 +547,286 @@
 </p:sldLayout>
 </file>
 
+<file path=ppt/slideLayouts/slideLayout10.xml><?xml version="1.0" encoding="utf-8"?>
+<p:sldLayout xmlns:a="http://schemas.openxmlformats.org/drawingml/2006/main" xmlns:r="http://schemas.openxmlformats.org/officeDocument/2006/relationships" xmlns:p="http://schemas.openxmlformats.org/presentationml/2006/main" type="blank" preserve="1">
+  <p:cSld name="Tomt">
+    <p:spTree>
+      <p:nvGrpSpPr>
+        <p:cNvPr id="1" name=""/>
+        <p:cNvGrpSpPr/>
+        <p:nvPr/>
+      </p:nvGrpSpPr>
+      <p:grpSpPr>
+        <a:xfrm>
+          <a:off x="0" y="0"/>
+          <a:ext cx="0" cy="0"/>
+          <a:chOff x="0" y="0"/>
+          <a:chExt cx="0" cy="0"/>
+        </a:xfrm>
+      </p:grpSpPr>
+      <p:sp>
+        <p:nvSpPr>
+          <p:cNvPr id="7" name="Plassholder for bunntekst 3"/>
+          <p:cNvSpPr>
+            <a:spLocks noGrp="1"/>
+          </p:cNvSpPr>
+          <p:nvPr>
+            <p:ph type="ftr" sz="quarter" idx="3"/>
+          </p:nvPr>
+        </p:nvSpPr>
+        <p:spPr>
+          <a:xfrm>
+            <a:off x="-1024284" y="4889255"/>
+            <a:ext cx="992752" cy="230832"/>
+          </a:xfrm>
+          <a:prstGeom prst="rect">
+            <a:avLst/>
+          </a:prstGeom>
+        </p:spPr>
+        <p:txBody>
+          <a:bodyPr vert="horz" wrap="none" lIns="0" tIns="0" rIns="0" bIns="0" rtlCol="0" anchor="ctr">
+            <a:noAutofit/>
+          </a:bodyPr>
+          <a:lstStyle>
+            <a:lvl1pPr algn="r">
+              <a:defRPr sz="1000">
+                <a:solidFill>
+                  <a:schemeClr val="bg1"/>
+                </a:solidFill>
+              </a:defRPr>
+            </a:lvl1pPr>
+          </a:lstStyle>
+          <a:p>
+            <a:r>
+              <a:rPr lang="nb-NO"/>
+              <a:t>Rullende tekst settes inn via "Sett inn -&gt; Topptekst og bunntekst"</a:t>
+            </a:r>
+            <a:endParaRPr lang="nb-NO" dirty="0"/>
+          </a:p>
+        </p:txBody>
+      </p:sp>
+    </p:spTree>
+    <p:extLst>
+      <p:ext uri="{BB962C8B-B14F-4D97-AF65-F5344CB8AC3E}">
+        <p14:creationId xmlns:p14="http://schemas.microsoft.com/office/powerpoint/2010/main" val="6859923"/>
+      </p:ext>
+    </p:extLst>
+  </p:cSld>
+  <p:clrMapOvr>
+    <a:masterClrMapping/>
+  </p:clrMapOvr>
+  <p:transition spd="slow" advClick="0" advTm="10000">
+    <p:fade/>
+  </p:transition>
+  <p:timing>
+    <p:tnLst>
+      <p:par>
+        <p:cTn id="1" dur="indefinite" restart="never" nodeType="tmRoot">
+          <p:childTnLst>
+            <p:seq concurrent="1" nextAc="seek">
+              <p:cTn id="2" dur="indefinite" nodeType="mainSeq">
+                <p:childTnLst>
+                  <p:par>
+                    <p:cTn id="3" fill="hold">
+                      <p:stCondLst>
+                        <p:cond delay="indefinite"/>
+                        <p:cond evt="onBegin" delay="0">
+                          <p:tn val="2"/>
+                        </p:cond>
+                      </p:stCondLst>
+                      <p:childTnLst>
+                        <p:par>
+                          <p:cTn id="4" fill="hold">
+                            <p:stCondLst>
+                              <p:cond delay="0"/>
+                            </p:stCondLst>
+                            <p:childTnLst>
+                              <p:par>
+                                <p:cTn id="5" presetID="2" presetClass="entr" presetSubtype="2" repeatCount="indefinite" fill="hold" grpId="0" nodeType="afterEffect" nodePh="1">
+                                  <p:stCondLst>
+                                    <p:cond delay="0"/>
+                                  </p:stCondLst>
+                                  <p:endCondLst>
+                                    <p:cond evt="begin" delay="0">
+                                      <p:tn val="5"/>
+                                    </p:cond>
+                                  </p:endCondLst>
+                                  <p:childTnLst>
+                                    <p:set>
+                                      <p:cBhvr>
+                                        <p:cTn id="6" dur="1" fill="hold">
+                                          <p:stCondLst>
+                                            <p:cond delay="0"/>
+                                          </p:stCondLst>
+                                        </p:cTn>
+                                        <p:tgtEl>
+                                          <p:spTgt spid="7"/>
+                                        </p:tgtEl>
+                                        <p:attrNameLst>
+                                          <p:attrName>style.visibility</p:attrName>
+                                        </p:attrNameLst>
+                                      </p:cBhvr>
+                                      <p:to>
+                                        <p:strVal val="visible"/>
+                                      </p:to>
+                                    </p:set>
+                                    <p:anim calcmode="lin" valueType="num">
+                                      <p:cBhvr additive="base">
+                                        <p:cTn id="7" dur="10000" fill="hold"/>
+                                        <p:tgtEl>
+                                          <p:spTgt spid="7"/>
+                                        </p:tgtEl>
+                                        <p:attrNameLst>
+                                          <p:attrName>ppt_x</p:attrName>
+                                        </p:attrNameLst>
+                                      </p:cBhvr>
+                                      <p:tavLst>
+                                        <p:tav tm="0">
+                                          <p:val>
+                                            <p:strVal val="1+#ppt_w/2"/>
+                                          </p:val>
+                                        </p:tav>
+                                        <p:tav tm="100000">
+                                          <p:val>
+                                            <p:strVal val="#ppt_x"/>
+                                          </p:val>
+                                        </p:tav>
+                                      </p:tavLst>
+                                    </p:anim>
+                                    <p:anim calcmode="lin" valueType="num">
+                                      <p:cBhvr additive="base">
+                                        <p:cTn id="8" dur="10000" fill="hold"/>
+                                        <p:tgtEl>
+                                          <p:spTgt spid="7"/>
+                                        </p:tgtEl>
+                                        <p:attrNameLst>
+                                          <p:attrName>ppt_y</p:attrName>
+                                        </p:attrNameLst>
+                                      </p:cBhvr>
+                                      <p:tavLst>
+                                        <p:tav tm="0">
+                                          <p:val>
+                                            <p:strVal val="#ppt_y"/>
+                                          </p:val>
+                                        </p:tav>
+                                        <p:tav tm="100000">
+                                          <p:val>
+                                            <p:strVal val="#ppt_y"/>
+                                          </p:val>
+                                        </p:tav>
+                                      </p:tavLst>
+                                    </p:anim>
+                                  </p:childTnLst>
+                                </p:cTn>
+                              </p:par>
+                            </p:childTnLst>
+                          </p:cTn>
+                        </p:par>
+                      </p:childTnLst>
+                    </p:cTn>
+                  </p:par>
+                </p:childTnLst>
+              </p:cTn>
+              <p:prevCondLst>
+                <p:cond evt="onPrev" delay="0">
+                  <p:tgtEl>
+                    <p:sldTgt/>
+                  </p:tgtEl>
+                </p:cond>
+              </p:prevCondLst>
+              <p:nextCondLst>
+                <p:cond evt="onNext" delay="0">
+                  <p:tgtEl>
+                    <p:sldTgt/>
+                  </p:tgtEl>
+                </p:cond>
+              </p:nextCondLst>
+            </p:seq>
+          </p:childTnLst>
+        </p:cTn>
+      </p:par>
+    </p:tnLst>
+    <p:bldLst>
+      <p:bldP spid="7" grpId="0"/>
+    </p:bldLst>
+  </p:timing>
+</p:sldLayout>
+</file>
+
+<file path=ppt/slideLayouts/slideLayout11.xml><?xml version="1.0" encoding="utf-8"?>
+<p:sldLayout xmlns:a="http://schemas.openxmlformats.org/drawingml/2006/main" xmlns:r="http://schemas.openxmlformats.org/officeDocument/2006/relationships" xmlns:p="http://schemas.openxmlformats.org/presentationml/2006/main" showMasterSp="0" type="blank" preserve="1">
+  <p:cSld name="1_Tomt">
+    <p:spTree>
+      <p:nvGrpSpPr>
+        <p:cNvPr id="1" name=""/>
+        <p:cNvGrpSpPr/>
+        <p:nvPr/>
+      </p:nvGrpSpPr>
+      <p:grpSpPr>
+        <a:xfrm>
+          <a:off x="0" y="0"/>
+          <a:ext cx="0" cy="0"/>
+          <a:chOff x="0" y="0"/>
+          <a:chExt cx="0" cy="0"/>
+        </a:xfrm>
+      </p:grpSpPr>
+    </p:spTree>
+    <p:extLst>
+      <p:ext uri="{BB962C8B-B14F-4D97-AF65-F5344CB8AC3E}">
+        <p14:creationId xmlns:p14="http://schemas.microsoft.com/office/powerpoint/2010/main" val="2461938460"/>
+      </p:ext>
+    </p:extLst>
+  </p:cSld>
+  <p:clrMapOvr>
+    <a:masterClrMapping/>
+  </p:clrMapOvr>
+  <p:transition spd="slow" advClick="0" advTm="10000">
+    <p:fade/>
+  </p:transition>
+</p:sldLayout>
+</file>
+
+<file path=ppt/slideLayouts/slideLayout12.xml><?xml version="1.0" encoding="utf-8"?>
+<p:sldLayout xmlns:a="http://schemas.openxmlformats.org/drawingml/2006/main" xmlns:r="http://schemas.openxmlformats.org/officeDocument/2006/relationships" xmlns:p="http://schemas.openxmlformats.org/presentationml/2006/main" showMasterSp="0" type="blank" preserve="1">
+  <p:cSld name="2_Tomt">
+    <p:bg>
+      <p:bgPr>
+        <a:solidFill>
+          <a:srgbClr val="595959"/>
+        </a:solidFill>
+        <a:effectLst/>
+      </p:bgPr>
+    </p:bg>
+    <p:spTree>
+      <p:nvGrpSpPr>
+        <p:cNvPr id="1" name=""/>
+        <p:cNvGrpSpPr/>
+        <p:nvPr/>
+      </p:nvGrpSpPr>
+      <p:grpSpPr>
+        <a:xfrm>
+          <a:off x="0" y="0"/>
+          <a:ext cx="0" cy="0"/>
+          <a:chOff x="0" y="0"/>
+          <a:chExt cx="0" cy="0"/>
+        </a:xfrm>
+      </p:grpSpPr>
+    </p:spTree>
+    <p:extLst>
+      <p:ext uri="{BB962C8B-B14F-4D97-AF65-F5344CB8AC3E}">
+        <p14:creationId xmlns:p14="http://schemas.microsoft.com/office/powerpoint/2010/main" val="719907825"/>
+      </p:ext>
+    </p:extLst>
+  </p:cSld>
+  <p:clrMapOvr>
+    <a:masterClrMapping/>
+  </p:clrMapOvr>
+  <p:transition spd="slow" advClick="0" advTm="10000">
+    <p:fade/>
+  </p:transition>
+</p:sldLayout>
+</file>
+
 <file path=ppt/slideLayouts/slideLayout2.xml><?xml version="1.0" encoding="utf-8"?>
 <p:sldLayout xmlns:a="http://schemas.openxmlformats.org/drawingml/2006/main" xmlns:r="http://schemas.openxmlformats.org/officeDocument/2006/relationships" xmlns:p="http://schemas.openxmlformats.org/presentationml/2006/main" preserve="1" userDrawn="1">
   <p:cSld name="Bilde, tittel og rød strek">
@@ -611,6 +883,10 @@
             </a:lvl1pPr>
           </a:lstStyle>
           <a:p>
+            <a:r>
+              <a:rPr lang="nb-NO"/>
+              <a:t>Klikk på ikonet for å legge til et bilde</a:t>
+            </a:r>
             <a:endParaRPr lang="en-GB" dirty="0"/>
           </a:p>
         </p:txBody>
@@ -663,7 +939,10 @@
           </a:lstStyle>
           <a:p>
             <a:pPr lvl="0"/>
-            <a:endParaRPr lang="en-GB" dirty="0"/>
+            <a:r>
+              <a:rPr lang="nb-NO"/>
+              <a:t>Klikk for å redigere tekststiler i malen</a:t>
+            </a:r>
           </a:p>
         </p:txBody>
       </p:sp>
@@ -694,8 +973,8 @@
           <a:lstStyle/>
           <a:p>
             <a:r>
-              <a:rPr lang="en-US" dirty="0"/>
-              <a:t>Click to edit Master title style</a:t>
+              <a:rPr lang="nb-NO"/>
+              <a:t>Klikk for å redigere tittelstil</a:t>
             </a:r>
             <a:endParaRPr lang="en-GB" dirty="0"/>
           </a:p>
@@ -833,7 +1112,7 @@
         <p:spPr>
           <a:xfrm>
             <a:off x="1448727" y="0"/>
-            <a:ext cx="3193239" cy="5145088"/>
+            <a:ext cx="3031833" cy="5145088"/>
           </a:xfrm>
           <a:blipFill>
             <a:blip r:embed="rId3">
@@ -860,7 +1139,10 @@
           </a:lstStyle>
           <a:p>
             <a:pPr lvl="0"/>
-            <a:endParaRPr lang="nb-NO" noProof="0" dirty="0"/>
+            <a:r>
+              <a:rPr lang="nb-NO" noProof="0"/>
+              <a:t>Klikk for å redigere tekststiler i malen</a:t>
+            </a:r>
           </a:p>
         </p:txBody>
       </p:sp>
@@ -1804,6 +2086,459 @@
 </file>
 
 <file path=ppt/slideLayouts/slideLayout7.xml><?xml version="1.0" encoding="utf-8"?>
+<p:sldLayout xmlns:a="http://schemas.openxmlformats.org/drawingml/2006/main" xmlns:r="http://schemas.openxmlformats.org/officeDocument/2006/relationships" xmlns:p="http://schemas.openxmlformats.org/presentationml/2006/main" preserve="1" userDrawn="1">
+  <p:cSld name="1_To innholdsdeler">
+    <p:spTree>
+      <p:nvGrpSpPr>
+        <p:cNvPr id="1" name=""/>
+        <p:cNvGrpSpPr/>
+        <p:nvPr/>
+      </p:nvGrpSpPr>
+      <p:grpSpPr>
+        <a:xfrm>
+          <a:off x="0" y="0"/>
+          <a:ext cx="0" cy="0"/>
+          <a:chOff x="0" y="0"/>
+          <a:chExt cx="0" cy="0"/>
+        </a:xfrm>
+      </p:grpSpPr>
+      <p:sp>
+        <p:nvSpPr>
+          <p:cNvPr id="7" name="Rectangle 6">
+            <a:extLst>
+              <a:ext uri="{FF2B5EF4-FFF2-40B4-BE49-F238E27FC236}">
+                <a16:creationId xmlns:a16="http://schemas.microsoft.com/office/drawing/2014/main" id="{313827AF-499B-499C-98C8-21D81CF1C960}"/>
+              </a:ext>
+            </a:extLst>
+          </p:cNvPr>
+          <p:cNvSpPr/>
+          <p:nvPr userDrawn="1"/>
+        </p:nvSpPr>
+        <p:spPr>
+          <a:xfrm>
+            <a:off x="4571999" y="0"/>
+            <a:ext cx="4572000" cy="5145088"/>
+          </a:xfrm>
+          <a:prstGeom prst="rect">
+            <a:avLst/>
+          </a:prstGeom>
+          <a:solidFill>
+            <a:schemeClr val="bg1">
+              <a:lumMod val="95000"/>
+            </a:schemeClr>
+          </a:solidFill>
+          <a:ln>
+            <a:noFill/>
+          </a:ln>
+        </p:spPr>
+        <p:style>
+          <a:lnRef idx="2">
+            <a:schemeClr val="accent1">
+              <a:shade val="50000"/>
+            </a:schemeClr>
+          </a:lnRef>
+          <a:fillRef idx="1">
+            <a:schemeClr val="accent1"/>
+          </a:fillRef>
+          <a:effectRef idx="0">
+            <a:schemeClr val="accent1"/>
+          </a:effectRef>
+          <a:fontRef idx="minor">
+            <a:schemeClr val="lt1"/>
+          </a:fontRef>
+        </p:style>
+        <p:txBody>
+          <a:bodyPr rtlCol="0" anchor="ctr"/>
+          <a:lstStyle/>
+          <a:p>
+            <a:pPr algn="ctr"/>
+            <a:endParaRPr lang="nb-NO" dirty="0"/>
+          </a:p>
+        </p:txBody>
+      </p:sp>
+      <p:sp>
+        <p:nvSpPr>
+          <p:cNvPr id="6" name="Picture Placeholder 6">
+            <a:extLst>
+              <a:ext uri="{FF2B5EF4-FFF2-40B4-BE49-F238E27FC236}">
+                <a16:creationId xmlns:a16="http://schemas.microsoft.com/office/drawing/2014/main" id="{988FB8EB-60B8-4596-B89A-884BA726D8BE}"/>
+              </a:ext>
+            </a:extLst>
+          </p:cNvPr>
+          <p:cNvSpPr>
+            <a:spLocks noGrp="1"/>
+          </p:cNvSpPr>
+          <p:nvPr>
+            <p:ph type="pic" sz="quarter" idx="15"/>
+          </p:nvPr>
+        </p:nvSpPr>
+        <p:spPr>
+          <a:xfrm>
+            <a:off x="4572000" y="0"/>
+            <a:ext cx="4572000" cy="5145087"/>
+          </a:xfrm>
+          <a:prstGeom prst="rect">
+            <a:avLst/>
+          </a:prstGeom>
+        </p:spPr>
+        <p:txBody>
+          <a:bodyPr lIns="0" tIns="0" rIns="0" bIns="0"/>
+          <a:lstStyle/>
+          <a:p>
+            <a:r>
+              <a:rPr lang="nb-NO"/>
+              <a:t>Klikk på ikonet for å legge til et bilde</a:t>
+            </a:r>
+            <a:endParaRPr lang="en-GB"/>
+          </a:p>
+        </p:txBody>
+      </p:sp>
+      <p:sp>
+        <p:nvSpPr>
+          <p:cNvPr id="8" name="Tittel 1">
+            <a:extLst>
+              <a:ext uri="{FF2B5EF4-FFF2-40B4-BE49-F238E27FC236}">
+                <a16:creationId xmlns:a16="http://schemas.microsoft.com/office/drawing/2014/main" id="{8E925F61-A501-4E21-8AC3-BF2BC332C971}"/>
+              </a:ext>
+            </a:extLst>
+          </p:cNvPr>
+          <p:cNvSpPr>
+            <a:spLocks noGrp="1"/>
+          </p:cNvSpPr>
+          <p:nvPr>
+            <p:ph type="title" hasCustomPrompt="1"/>
+          </p:nvPr>
+        </p:nvSpPr>
+        <p:spPr>
+          <a:xfrm>
+            <a:off x="933450" y="351954"/>
+            <a:ext cx="3316055" cy="828104"/>
+          </a:xfrm>
+        </p:spPr>
+        <p:txBody>
+          <a:bodyPr/>
+          <a:lstStyle>
+            <a:lvl1pPr>
+              <a:defRPr/>
+            </a:lvl1pPr>
+          </a:lstStyle>
+          <a:p>
+            <a:r>
+              <a:rPr lang="nb-NO" dirty="0"/>
+              <a:t>Tittel</a:t>
+            </a:r>
+          </a:p>
+        </p:txBody>
+      </p:sp>
+      <p:sp>
+        <p:nvSpPr>
+          <p:cNvPr id="11" name="Plassholder for innhold 2">
+            <a:extLst>
+              <a:ext uri="{FF2B5EF4-FFF2-40B4-BE49-F238E27FC236}">
+                <a16:creationId xmlns:a16="http://schemas.microsoft.com/office/drawing/2014/main" id="{49BF8D63-B7C3-4049-8AC4-58A28375FB5C}"/>
+              </a:ext>
+            </a:extLst>
+          </p:cNvPr>
+          <p:cNvSpPr>
+            <a:spLocks noGrp="1"/>
+          </p:cNvSpPr>
+          <p:nvPr>
+            <p:ph idx="1" hasCustomPrompt="1"/>
+          </p:nvPr>
+        </p:nvSpPr>
+        <p:spPr>
+          <a:xfrm>
+            <a:off x="933450" y="1369643"/>
+            <a:ext cx="3316056" cy="3042700"/>
+          </a:xfrm>
+        </p:spPr>
+        <p:txBody>
+          <a:bodyPr/>
+          <a:lstStyle/>
+          <a:p>
+            <a:pPr lvl="0"/>
+            <a:r>
+              <a:rPr lang="nb-NO" dirty="0"/>
+              <a:t>Klikk for å legge til tekst</a:t>
+            </a:r>
+          </a:p>
+          <a:p>
+            <a:pPr lvl="1"/>
+            <a:r>
+              <a:rPr lang="nb-NO" dirty="0"/>
+              <a:t>Andre nivå</a:t>
+            </a:r>
+          </a:p>
+          <a:p>
+            <a:pPr lvl="2"/>
+            <a:r>
+              <a:rPr lang="nb-NO" dirty="0"/>
+              <a:t>Tredje nivå</a:t>
+            </a:r>
+          </a:p>
+          <a:p>
+            <a:pPr lvl="3"/>
+            <a:r>
+              <a:rPr lang="nb-NO" dirty="0"/>
+              <a:t>Fjerde nivå</a:t>
+            </a:r>
+          </a:p>
+          <a:p>
+            <a:pPr lvl="4"/>
+            <a:r>
+              <a:rPr lang="nb-NO" dirty="0"/>
+              <a:t>Femte nivå</a:t>
+            </a:r>
+          </a:p>
+        </p:txBody>
+      </p:sp>
+    </p:spTree>
+    <p:extLst>
+      <p:ext uri="{BB962C8B-B14F-4D97-AF65-F5344CB8AC3E}">
+        <p14:creationId xmlns:p14="http://schemas.microsoft.com/office/powerpoint/2010/main" val="2834509605"/>
+      </p:ext>
+    </p:extLst>
+  </p:cSld>
+  <p:clrMapOvr>
+    <a:masterClrMapping/>
+  </p:clrMapOvr>
+  <p:transition spd="slow" advClick="0" advTm="10000">
+    <p:fade/>
+  </p:transition>
+</p:sldLayout>
+</file>
+
+<file path=ppt/slideLayouts/slideLayout8.xml><?xml version="1.0" encoding="utf-8"?>
+<p:sldLayout xmlns:a="http://schemas.openxmlformats.org/drawingml/2006/main" xmlns:r="http://schemas.openxmlformats.org/officeDocument/2006/relationships" xmlns:p="http://schemas.openxmlformats.org/presentationml/2006/main" preserve="1" userDrawn="1">
+  <p:cSld name="2_To innholdsdeler">
+    <p:spTree>
+      <p:nvGrpSpPr>
+        <p:cNvPr id="1" name=""/>
+        <p:cNvGrpSpPr/>
+        <p:nvPr/>
+      </p:nvGrpSpPr>
+      <p:grpSpPr>
+        <a:xfrm>
+          <a:off x="0" y="0"/>
+          <a:ext cx="0" cy="0"/>
+          <a:chOff x="0" y="0"/>
+          <a:chExt cx="0" cy="0"/>
+        </a:xfrm>
+      </p:grpSpPr>
+      <p:sp>
+        <p:nvSpPr>
+          <p:cNvPr id="9" name="Rectangle 8">
+            <a:extLst>
+              <a:ext uri="{FF2B5EF4-FFF2-40B4-BE49-F238E27FC236}">
+                <a16:creationId xmlns:a16="http://schemas.microsoft.com/office/drawing/2014/main" id="{9D142C83-E117-4CF0-B740-72E194092242}"/>
+              </a:ext>
+            </a:extLst>
+          </p:cNvPr>
+          <p:cNvSpPr/>
+          <p:nvPr userDrawn="1"/>
+        </p:nvSpPr>
+        <p:spPr>
+          <a:xfrm>
+            <a:off x="1" y="0"/>
+            <a:ext cx="4572000" cy="5145088"/>
+          </a:xfrm>
+          <a:prstGeom prst="rect">
+            <a:avLst/>
+          </a:prstGeom>
+          <a:solidFill>
+            <a:schemeClr val="bg1">
+              <a:lumMod val="95000"/>
+            </a:schemeClr>
+          </a:solidFill>
+          <a:ln>
+            <a:noFill/>
+          </a:ln>
+        </p:spPr>
+        <p:style>
+          <a:lnRef idx="2">
+            <a:schemeClr val="accent1">
+              <a:shade val="50000"/>
+            </a:schemeClr>
+          </a:lnRef>
+          <a:fillRef idx="1">
+            <a:schemeClr val="accent1"/>
+          </a:fillRef>
+          <a:effectRef idx="0">
+            <a:schemeClr val="accent1"/>
+          </a:effectRef>
+          <a:fontRef idx="minor">
+            <a:schemeClr val="lt1"/>
+          </a:fontRef>
+        </p:style>
+        <p:txBody>
+          <a:bodyPr rtlCol="0" anchor="ctr"/>
+          <a:lstStyle/>
+          <a:p>
+            <a:pPr algn="ctr"/>
+            <a:endParaRPr lang="nb-NO" dirty="0"/>
+          </a:p>
+        </p:txBody>
+      </p:sp>
+      <p:sp>
+        <p:nvSpPr>
+          <p:cNvPr id="10" name="Plassholder for innhold 2">
+            <a:extLst>
+              <a:ext uri="{FF2B5EF4-FFF2-40B4-BE49-F238E27FC236}">
+                <a16:creationId xmlns:a16="http://schemas.microsoft.com/office/drawing/2014/main" id="{C62D8E63-CEA8-42E9-8FF4-86C8B1DCF22A}"/>
+              </a:ext>
+            </a:extLst>
+          </p:cNvPr>
+          <p:cNvSpPr>
+            <a:spLocks noGrp="1"/>
+          </p:cNvSpPr>
+          <p:nvPr>
+            <p:ph idx="13" hasCustomPrompt="1"/>
+          </p:nvPr>
+        </p:nvSpPr>
+        <p:spPr>
+          <a:xfrm>
+            <a:off x="4880609" y="1369643"/>
+            <a:ext cx="3314696" cy="3042700"/>
+          </a:xfrm>
+        </p:spPr>
+        <p:txBody>
+          <a:bodyPr/>
+          <a:lstStyle/>
+          <a:p>
+            <a:pPr lvl="0"/>
+            <a:r>
+              <a:rPr lang="nb-NO" dirty="0"/>
+              <a:t>Klikk for å legge til tekst</a:t>
+            </a:r>
+          </a:p>
+          <a:p>
+            <a:pPr lvl="1"/>
+            <a:r>
+              <a:rPr lang="nb-NO" dirty="0"/>
+              <a:t>Andre nivå</a:t>
+            </a:r>
+          </a:p>
+          <a:p>
+            <a:pPr lvl="2"/>
+            <a:r>
+              <a:rPr lang="nb-NO" dirty="0"/>
+              <a:t>Tredje nivå</a:t>
+            </a:r>
+          </a:p>
+          <a:p>
+            <a:pPr lvl="3"/>
+            <a:r>
+              <a:rPr lang="nb-NO" dirty="0"/>
+              <a:t>Fjerde nivå</a:t>
+            </a:r>
+          </a:p>
+          <a:p>
+            <a:pPr lvl="4"/>
+            <a:r>
+              <a:rPr lang="nb-NO" dirty="0"/>
+              <a:t>Femte nivå</a:t>
+            </a:r>
+          </a:p>
+        </p:txBody>
+      </p:sp>
+      <p:sp>
+        <p:nvSpPr>
+          <p:cNvPr id="12" name="Text Placeholder 9">
+            <a:extLst>
+              <a:ext uri="{FF2B5EF4-FFF2-40B4-BE49-F238E27FC236}">
+                <a16:creationId xmlns:a16="http://schemas.microsoft.com/office/drawing/2014/main" id="{1846E548-D3E1-486C-94FB-8CA4D9216ED8}"/>
+              </a:ext>
+            </a:extLst>
+          </p:cNvPr>
+          <p:cNvSpPr>
+            <a:spLocks noGrp="1"/>
+          </p:cNvSpPr>
+          <p:nvPr>
+            <p:ph type="body" sz="quarter" idx="14" hasCustomPrompt="1"/>
+          </p:nvPr>
+        </p:nvSpPr>
+        <p:spPr>
+          <a:xfrm>
+            <a:off x="4880608" y="351954"/>
+            <a:ext cx="3314697" cy="828104"/>
+          </a:xfrm>
+        </p:spPr>
+        <p:txBody>
+          <a:bodyPr anchor="ctr">
+            <a:normAutofit/>
+          </a:bodyPr>
+          <a:lstStyle>
+            <a:lvl1pPr marL="0" indent="0">
+              <a:spcBef>
+                <a:spcPts val="0"/>
+              </a:spcBef>
+              <a:buNone/>
+              <a:defRPr sz="2600"/>
+            </a:lvl1pPr>
+          </a:lstStyle>
+          <a:p>
+            <a:pPr lvl="0"/>
+            <a:r>
+              <a:rPr lang="nb-NO" dirty="0"/>
+              <a:t>Tittel</a:t>
+            </a:r>
+          </a:p>
+        </p:txBody>
+      </p:sp>
+      <p:sp>
+        <p:nvSpPr>
+          <p:cNvPr id="13" name="Picture Placeholder 6">
+            <a:extLst>
+              <a:ext uri="{FF2B5EF4-FFF2-40B4-BE49-F238E27FC236}">
+                <a16:creationId xmlns:a16="http://schemas.microsoft.com/office/drawing/2014/main" id="{FCC6EF57-5A3F-44EA-9C44-44402EB66A88}"/>
+              </a:ext>
+            </a:extLst>
+          </p:cNvPr>
+          <p:cNvSpPr>
+            <a:spLocks noGrp="1"/>
+          </p:cNvSpPr>
+          <p:nvPr>
+            <p:ph type="pic" sz="quarter" idx="15"/>
+          </p:nvPr>
+        </p:nvSpPr>
+        <p:spPr>
+          <a:xfrm>
+            <a:off x="-1" y="0"/>
+            <a:ext cx="4571999" cy="5145087"/>
+          </a:xfrm>
+          <a:prstGeom prst="rect">
+            <a:avLst/>
+          </a:prstGeom>
+        </p:spPr>
+        <p:txBody>
+          <a:bodyPr lIns="0" tIns="0" rIns="0" bIns="0"/>
+          <a:lstStyle/>
+          <a:p>
+            <a:r>
+              <a:rPr lang="nb-NO"/>
+              <a:t>Klikk på ikonet for å legge til et bilde</a:t>
+            </a:r>
+            <a:endParaRPr lang="en-GB"/>
+          </a:p>
+        </p:txBody>
+      </p:sp>
+    </p:spTree>
+    <p:extLst>
+      <p:ext uri="{BB962C8B-B14F-4D97-AF65-F5344CB8AC3E}">
+        <p14:creationId xmlns:p14="http://schemas.microsoft.com/office/powerpoint/2010/main" val="2667867562"/>
+      </p:ext>
+    </p:extLst>
+  </p:cSld>
+  <p:clrMapOvr>
+    <a:masterClrMapping/>
+  </p:clrMapOvr>
+  <p:transition spd="slow" advClick="0" advTm="10000">
+    <p:fade/>
+  </p:transition>
+</p:sldLayout>
+</file>
+
+<file path=ppt/slideLayouts/slideLayout9.xml><?xml version="1.0" encoding="utf-8"?>
 <p:sldLayout xmlns:a="http://schemas.openxmlformats.org/drawingml/2006/main" xmlns:r="http://schemas.openxmlformats.org/officeDocument/2006/relationships" xmlns:p="http://schemas.openxmlformats.org/presentationml/2006/main" type="titleOnly" preserve="1">
   <p:cSld name="Bare tittel">
     <p:spTree>
@@ -2031,212 +2766,6 @@
 </p:sldLayout>
 </file>
 
-<file path=ppt/slideLayouts/slideLayout8.xml><?xml version="1.0" encoding="utf-8"?>
-<p:sldLayout xmlns:a="http://schemas.openxmlformats.org/drawingml/2006/main" xmlns:r="http://schemas.openxmlformats.org/officeDocument/2006/relationships" xmlns:p="http://schemas.openxmlformats.org/presentationml/2006/main" type="blank" preserve="1">
-  <p:cSld name="Tomt">
-    <p:spTree>
-      <p:nvGrpSpPr>
-        <p:cNvPr id="1" name=""/>
-        <p:cNvGrpSpPr/>
-        <p:nvPr/>
-      </p:nvGrpSpPr>
-      <p:grpSpPr>
-        <a:xfrm>
-          <a:off x="0" y="0"/>
-          <a:ext cx="0" cy="0"/>
-          <a:chOff x="0" y="0"/>
-          <a:chExt cx="0" cy="0"/>
-        </a:xfrm>
-      </p:grpSpPr>
-      <p:sp>
-        <p:nvSpPr>
-          <p:cNvPr id="7" name="Plassholder for bunntekst 3"/>
-          <p:cNvSpPr>
-            <a:spLocks noGrp="1"/>
-          </p:cNvSpPr>
-          <p:nvPr>
-            <p:ph type="ftr" sz="quarter" idx="3"/>
-          </p:nvPr>
-        </p:nvSpPr>
-        <p:spPr>
-          <a:xfrm>
-            <a:off x="-1024284" y="4889255"/>
-            <a:ext cx="992752" cy="230832"/>
-          </a:xfrm>
-          <a:prstGeom prst="rect">
-            <a:avLst/>
-          </a:prstGeom>
-        </p:spPr>
-        <p:txBody>
-          <a:bodyPr vert="horz" wrap="none" lIns="0" tIns="0" rIns="0" bIns="0" rtlCol="0" anchor="ctr">
-            <a:noAutofit/>
-          </a:bodyPr>
-          <a:lstStyle>
-            <a:lvl1pPr algn="r">
-              <a:defRPr sz="1000">
-                <a:solidFill>
-                  <a:schemeClr val="bg1"/>
-                </a:solidFill>
-              </a:defRPr>
-            </a:lvl1pPr>
-          </a:lstStyle>
-          <a:p>
-            <a:r>
-              <a:rPr lang="nb-NO"/>
-              <a:t>Rullende tekst settes inn via "Sett inn -&gt; Topptekst og bunntekst"</a:t>
-            </a:r>
-            <a:endParaRPr lang="nb-NO" dirty="0"/>
-          </a:p>
-        </p:txBody>
-      </p:sp>
-    </p:spTree>
-    <p:extLst>
-      <p:ext uri="{BB962C8B-B14F-4D97-AF65-F5344CB8AC3E}">
-        <p14:creationId xmlns:p14="http://schemas.microsoft.com/office/powerpoint/2010/main" val="6859923"/>
-      </p:ext>
-    </p:extLst>
-  </p:cSld>
-  <p:clrMapOvr>
-    <a:masterClrMapping/>
-  </p:clrMapOvr>
-  <p:transition spd="slow" advClick="0" advTm="10000">
-    <p:fade/>
-  </p:transition>
-  <p:timing>
-    <p:tnLst>
-      <p:par>
-        <p:cTn id="1" dur="indefinite" restart="never" nodeType="tmRoot">
-          <p:childTnLst>
-            <p:seq concurrent="1" nextAc="seek">
-              <p:cTn id="2" dur="indefinite" nodeType="mainSeq">
-                <p:childTnLst>
-                  <p:par>
-                    <p:cTn id="3" fill="hold">
-                      <p:stCondLst>
-                        <p:cond delay="indefinite"/>
-                        <p:cond evt="onBegin" delay="0">
-                          <p:tn val="2"/>
-                        </p:cond>
-                      </p:stCondLst>
-                      <p:childTnLst>
-                        <p:par>
-                          <p:cTn id="4" fill="hold">
-                            <p:stCondLst>
-                              <p:cond delay="0"/>
-                            </p:stCondLst>
-                            <p:childTnLst>
-                              <p:par>
-                                <p:cTn id="5" presetID="2" presetClass="entr" presetSubtype="2" repeatCount="indefinite" fill="hold" grpId="0" nodeType="afterEffect" nodePh="1">
-                                  <p:stCondLst>
-                                    <p:cond delay="0"/>
-                                  </p:stCondLst>
-                                  <p:endCondLst>
-                                    <p:cond evt="begin" delay="0">
-                                      <p:tn val="5"/>
-                                    </p:cond>
-                                  </p:endCondLst>
-                                  <p:childTnLst>
-                                    <p:set>
-                                      <p:cBhvr>
-                                        <p:cTn id="6" dur="1" fill="hold">
-                                          <p:stCondLst>
-                                            <p:cond delay="0"/>
-                                          </p:stCondLst>
-                                        </p:cTn>
-                                        <p:tgtEl>
-                                          <p:spTgt spid="7"/>
-                                        </p:tgtEl>
-                                        <p:attrNameLst>
-                                          <p:attrName>style.visibility</p:attrName>
-                                        </p:attrNameLst>
-                                      </p:cBhvr>
-                                      <p:to>
-                                        <p:strVal val="visible"/>
-                                      </p:to>
-                                    </p:set>
-                                    <p:anim calcmode="lin" valueType="num">
-                                      <p:cBhvr additive="base">
-                                        <p:cTn id="7" dur="10000" fill="hold"/>
-                                        <p:tgtEl>
-                                          <p:spTgt spid="7"/>
-                                        </p:tgtEl>
-                                        <p:attrNameLst>
-                                          <p:attrName>ppt_x</p:attrName>
-                                        </p:attrNameLst>
-                                      </p:cBhvr>
-                                      <p:tavLst>
-                                        <p:tav tm="0">
-                                          <p:val>
-                                            <p:strVal val="1+#ppt_w/2"/>
-                                          </p:val>
-                                        </p:tav>
-                                        <p:tav tm="100000">
-                                          <p:val>
-                                            <p:strVal val="#ppt_x"/>
-                                          </p:val>
-                                        </p:tav>
-                                      </p:tavLst>
-                                    </p:anim>
-                                    <p:anim calcmode="lin" valueType="num">
-                                      <p:cBhvr additive="base">
-                                        <p:cTn id="8" dur="10000" fill="hold"/>
-                                        <p:tgtEl>
-                                          <p:spTgt spid="7"/>
-                                        </p:tgtEl>
-                                        <p:attrNameLst>
-                                          <p:attrName>ppt_y</p:attrName>
-                                        </p:attrNameLst>
-                                      </p:cBhvr>
-                                      <p:tavLst>
-                                        <p:tav tm="0">
-                                          <p:val>
-                                            <p:strVal val="#ppt_y"/>
-                                          </p:val>
-                                        </p:tav>
-                                        <p:tav tm="100000">
-                                          <p:val>
-                                            <p:strVal val="#ppt_y"/>
-                                          </p:val>
-                                        </p:tav>
-                                      </p:tavLst>
-                                    </p:anim>
-                                  </p:childTnLst>
-                                </p:cTn>
-                              </p:par>
-                            </p:childTnLst>
-                          </p:cTn>
-                        </p:par>
-                      </p:childTnLst>
-                    </p:cTn>
-                  </p:par>
-                </p:childTnLst>
-              </p:cTn>
-              <p:prevCondLst>
-                <p:cond evt="onPrev" delay="0">
-                  <p:tgtEl>
-                    <p:sldTgt/>
-                  </p:tgtEl>
-                </p:cond>
-              </p:prevCondLst>
-              <p:nextCondLst>
-                <p:cond evt="onNext" delay="0">
-                  <p:tgtEl>
-                    <p:sldTgt/>
-                  </p:tgtEl>
-                </p:cond>
-              </p:nextCondLst>
-            </p:seq>
-          </p:childTnLst>
-        </p:cTn>
-      </p:par>
-    </p:tnLst>
-    <p:bldLst>
-      <p:bldP spid="7" grpId="0"/>
-    </p:bldLst>
-  </p:timing>
-</p:sldLayout>
-</file>
-
 <file path=ppt/slideMasters/slideMaster1.xml><?xml version="1.0" encoding="utf-8"?>
 <p:sldMaster xmlns:a="http://schemas.openxmlformats.org/drawingml/2006/main" xmlns:r="http://schemas.openxmlformats.org/officeDocument/2006/relationships" xmlns:p="http://schemas.openxmlformats.org/presentationml/2006/main">
   <p:cSld>
@@ -2417,7 +2946,7 @@
           <p:nvPr userDrawn="1"/>
         </p:nvPicPr>
         <p:blipFill>
-          <a:blip r:embed="rId10" cstate="print">
+          <a:blip r:embed="rId14" cstate="print">
             <a:extLst>
               <a:ext uri="{28A0092B-C50C-407E-A947-70E740481C1C}">
                 <a14:useLocalDpi xmlns:a14="http://schemas.microsoft.com/office/drawing/2010/main" val="0"/>
@@ -2453,8 +2982,12 @@
     <p:sldLayoutId id="2147483649" r:id="rId4"/>
     <p:sldLayoutId id="2147483650" r:id="rId5"/>
     <p:sldLayoutId id="2147483652" r:id="rId6"/>
-    <p:sldLayoutId id="2147483654" r:id="rId7"/>
-    <p:sldLayoutId id="2147483655" r:id="rId8"/>
+    <p:sldLayoutId id="2147483663" r:id="rId7"/>
+    <p:sldLayoutId id="2147483664" r:id="rId8"/>
+    <p:sldLayoutId id="2147483654" r:id="rId9"/>
+    <p:sldLayoutId id="2147483655" r:id="rId10"/>
+    <p:sldLayoutId id="2147483665" r:id="rId11"/>
+    <p:sldLayoutId id="2147483666" r:id="rId12"/>
   </p:sldLayoutIdLst>
   <p:hf sldNum="0" hdr="0" dt="0"/>
   <p:txStyles>
@@ -2805,7 +3338,7 @@
           <a:bodyPr/>
           <a:lstStyle/>
           <a:p>
-            <a:endParaRPr lang="nb-NO" dirty="0"/>
+            <a:endParaRPr lang="nb-NO"/>
           </a:p>
         </p:txBody>
       </p:sp>
@@ -3041,7 +3574,7 @@
 <file path=ppt/theme/theme1.xml><?xml version="1.0" encoding="utf-8"?>
 <a:theme xmlns:a="http://schemas.openxmlformats.org/drawingml/2006/main" name="Office-tema">
   <a:themeElements>
-    <a:clrScheme name="Bergen kommune">
+    <a:clrScheme name="Egendefinert 18">
       <a:dk1>
         <a:sysClr val="windowText" lastClr="000000"/>
       </a:dk1>
@@ -3233,7 +3766,7 @@
   <a:extraClrSchemeLst/>
   <a:extLst>
     <a:ext uri="{05A4C25C-085E-4340-85A3-A5531E510DB2}">
-      <thm15:themeFamily xmlns:thm15="http://schemas.microsoft.com/office/thememl/2012/main" name="PP_INFOSKJERM_169_MORK.potx" id="{F56C1D06-75EB-4B5A-B6FD-D3E7C309692B}" vid="{7CF599BC-5E7B-4EAD-999E-6962CDE02C0C}"/>
+      <thm15:themeFamily xmlns:thm15="http://schemas.microsoft.com/office/thememl/2012/main" name="PP_INFOSKJERM_169_MORK" id="{4179D11B-A942-49F7-9BDF-FDB799D8CF15}" vid="{AFB6862F-5740-439E-AB93-21B46887BD3B}"/>
     </a:ext>
   </a:extLst>
 </a:theme>
@@ -3501,9 +4034,30 @@
 </file>
 
 <file path=customXml/item1.xml><?xml version="1.0" encoding="utf-8"?>
-<ct:contentTypeSchema xmlns:ct="http://schemas.microsoft.com/office/2006/metadata/contentType" xmlns:ma="http://schemas.microsoft.com/office/2006/metadata/properties/metaAttributes" ct:_="" ma:_="" ma:contentTypeName="Dokument" ma:contentTypeID="0x010100D982FC97A4EB864EBF6B6ADD443A67CC" ma:contentTypeVersion="11" ma:contentTypeDescription="Opprett et nytt dokument." ma:contentTypeScope="" ma:versionID="1243dad0bdc800c2168160044757ccfa">
-  <xsd:schema xmlns:xsd="http://www.w3.org/2001/XMLSchema" xmlns:xs="http://www.w3.org/2001/XMLSchema" xmlns:p="http://schemas.microsoft.com/office/2006/metadata/properties" xmlns:ns2="3b00a67f-9791-437e-b702-303a706ea042" targetNamespace="http://schemas.microsoft.com/office/2006/metadata/properties" ma:root="true" ma:fieldsID="9f2b7ce840c78a2065a44a5a957cc1d0" ns2:_="">
+<?mso-contentType ?>
+<FormTemplates xmlns="http://schemas.microsoft.com/sharepoint/v3/contenttype/forms">
+  <Display>DocumentLibraryForm</Display>
+  <Edit>DocumentLibraryForm</Edit>
+  <New>DocumentLibraryForm</New>
+</FormTemplates>
+</file>
+
+<file path=customXml/item2.xml><?xml version="1.0" encoding="utf-8"?>
+<p:properties xmlns:p="http://schemas.microsoft.com/office/2006/metadata/properties" xmlns:xsi="http://www.w3.org/2001/XMLSchema-instance" xmlns:pc="http://schemas.microsoft.com/office/infopath/2007/PartnerControls">
+  <documentManagement>
+    <lcf76f155ced4ddcb4097134ff3c332f xmlns="3b00a67f-9791-437e-b702-303a706ea042">
+      <Terms xmlns="http://schemas.microsoft.com/office/infopath/2007/PartnerControls"/>
+    </lcf76f155ced4ddcb4097134ff3c332f>
+    <TaxCatchAll xmlns="7dc3d6ed-56f1-49b6-b310-0ff680cfe62a" xsi:nil="true"/>
+  </documentManagement>
+</p:properties>
+</file>
+
+<file path=customXml/item3.xml><?xml version="1.0" encoding="utf-8"?>
+<ct:contentTypeSchema xmlns:ct="http://schemas.microsoft.com/office/2006/metadata/contentType" xmlns:ma="http://schemas.microsoft.com/office/2006/metadata/properties/metaAttributes" ct:_="" ma:_="" ma:contentTypeName="Dokument" ma:contentTypeID="0x010100D982FC97A4EB864EBF6B6ADD443A67CC" ma:contentTypeVersion="14" ma:contentTypeDescription="Opprett et nytt dokument." ma:contentTypeScope="" ma:versionID="a59811bd92298090e6a76c55d4651efa">
+  <xsd:schema xmlns:xsd="http://www.w3.org/2001/XMLSchema" xmlns:xs="http://www.w3.org/2001/XMLSchema" xmlns:p="http://schemas.microsoft.com/office/2006/metadata/properties" xmlns:ns2="3b00a67f-9791-437e-b702-303a706ea042" xmlns:ns3="7dc3d6ed-56f1-49b6-b310-0ff680cfe62a" targetNamespace="http://schemas.microsoft.com/office/2006/metadata/properties" ma:root="true" ma:fieldsID="4c3e1f195df9422cebd772257e8ef87d" ns2:_="" ns3:_="">
     <xsd:import namespace="3b00a67f-9791-437e-b702-303a706ea042"/>
+    <xsd:import namespace="7dc3d6ed-56f1-49b6-b310-0ff680cfe62a"/>
     <xsd:element name="properties">
       <xsd:complexType>
         <xsd:sequence>
@@ -3521,6 +4075,8 @@
                 <xsd:element ref="ns2:MediaServiceKeyPoints" minOccurs="0"/>
                 <xsd:element ref="ns2:MediaServiceLocation" minOccurs="0"/>
                 <xsd:element ref="ns2:MediaLengthInSeconds" minOccurs="0"/>
+                <xsd:element ref="ns2:lcf76f155ced4ddcb4097134ff3c332f" minOccurs="0"/>
+                <xsd:element ref="ns3:TaxCatchAll" minOccurs="0"/>
               </xsd:all>
             </xsd:complexType>
           </xsd:element>
@@ -3589,6 +4145,28 @@
       <xsd:simpleType>
         <xsd:restriction base="dms:Unknown"/>
       </xsd:simpleType>
+    </xsd:element>
+    <xsd:element name="lcf76f155ced4ddcb4097134ff3c332f" ma:index="20" nillable="true" ma:taxonomy="true" ma:internalName="lcf76f155ced4ddcb4097134ff3c332f" ma:taxonomyFieldName="MediaServiceImageTags" ma:displayName="Bildemerkelapper" ma:readOnly="false" ma:fieldId="{5cf76f15-5ced-4ddc-b409-7134ff3c332f}" ma:taxonomyMulti="true" ma:sspId="378a55df-a9cd-4882-8adc-9ae50d80558a" ma:termSetId="09814cd3-568e-fe90-9814-8d621ff8fb84" ma:anchorId="fba54fb3-c3e1-fe81-a776-ca4b69148c4d" ma:open="true" ma:isKeyword="false">
+      <xsd:complexType>
+        <xsd:sequence>
+          <xsd:element ref="pc:Terms" minOccurs="0" maxOccurs="1"/>
+        </xsd:sequence>
+      </xsd:complexType>
+    </xsd:element>
+  </xsd:schema>
+  <xsd:schema xmlns:xsd="http://www.w3.org/2001/XMLSchema" xmlns:xs="http://www.w3.org/2001/XMLSchema" xmlns:dms="http://schemas.microsoft.com/office/2006/documentManagement/types" xmlns:pc="http://schemas.microsoft.com/office/infopath/2007/PartnerControls" targetNamespace="7dc3d6ed-56f1-49b6-b310-0ff680cfe62a" elementFormDefault="qualified">
+    <xsd:import namespace="http://schemas.microsoft.com/office/2006/documentManagement/types"/>
+    <xsd:import namespace="http://schemas.microsoft.com/office/infopath/2007/PartnerControls"/>
+    <xsd:element name="TaxCatchAll" ma:index="21" nillable="true" ma:displayName="Taxonomy Catch All Column" ma:hidden="true" ma:list="{a9d73458-8fb0-4777-9551-357d96ad6676}" ma:internalName="TaxCatchAll" ma:showField="CatchAllData" ma:web="7dc3d6ed-56f1-49b6-b310-0ff680cfe62a">
+      <xsd:complexType>
+        <xsd:complexContent>
+          <xsd:extension base="dms:MultiChoiceLookup">
+            <xsd:sequence>
+              <xsd:element name="Value" type="dms:Lookup" maxOccurs="unbounded" minOccurs="0" nillable="true"/>
+            </xsd:sequence>
+          </xsd:extension>
+        </xsd:complexContent>
+      </xsd:complexType>
     </xsd:element>
   </xsd:schema>
   <xsd:schema xmlns="http://schemas.openxmlformats.org/package/2006/metadata/core-properties" xmlns:xsd="http://www.w3.org/2001/XMLSchema" xmlns:xsi="http://www.w3.org/2001/XMLSchema-instance" xmlns:dc="http://purl.org/dc/elements/1.1/" xmlns:dcterms="http://purl.org/dc/terms/" xmlns:odoc="http://schemas.microsoft.com/internal/obd" targetNamespace="http://schemas.openxmlformats.org/package/2006/metadata/core-properties" elementFormDefault="qualified" attributeFormDefault="unqualified" blockDefault="#all">
@@ -3690,29 +4268,34 @@
 </ct:contentTypeSchema>
 </file>
 
-<file path=customXml/item2.xml><?xml version="1.0" encoding="utf-8"?>
-<?mso-contentType ?>
-<FormTemplates xmlns="http://schemas.microsoft.com/sharepoint/v3/contenttype/forms">
-  <Display>DocumentLibraryForm</Display>
-  <Edit>DocumentLibraryForm</Edit>
-  <New>DocumentLibraryForm</New>
-</FormTemplates>
+<file path=customXml/itemProps1.xml><?xml version="1.0" encoding="utf-8"?>
+<ds:datastoreItem xmlns:ds="http://schemas.openxmlformats.org/officeDocument/2006/customXml" ds:itemID="{4E0EA61D-A54B-4D20-BBE7-6B4079EB5D4F}">
+  <ds:schemaRefs>
+    <ds:schemaRef ds:uri="http://schemas.microsoft.com/sharepoint/v3/contenttype/forms"/>
+  </ds:schemaRefs>
+</ds:datastoreItem>
 </file>
 
-<file path=customXml/item3.xml><?xml version="1.0" encoding="utf-8"?>
-<p:properties xmlns:p="http://schemas.microsoft.com/office/2006/metadata/properties" xmlns:xsi="http://www.w3.org/2001/XMLSchema-instance" xmlns:pc="http://schemas.microsoft.com/office/infopath/2007/PartnerControls">
-  <documentManagement/>
-</p:properties>
+<file path=customXml/itemProps2.xml><?xml version="1.0" encoding="utf-8"?>
+<ds:datastoreItem xmlns:ds="http://schemas.openxmlformats.org/officeDocument/2006/customXml" ds:itemID="{ECC4D8C3-78DB-4853-A836-2FB30DA86292}">
+  <ds:schemaRefs>
+    <ds:schemaRef ds:uri="http://schemas.microsoft.com/office/2006/metadata/properties"/>
+    <ds:schemaRef ds:uri="http://schemas.microsoft.com/office/infopath/2007/PartnerControls"/>
+    <ds:schemaRef ds:uri="3b00a67f-9791-437e-b702-303a706ea042"/>
+    <ds:schemaRef ds:uri="7dc3d6ed-56f1-49b6-b310-0ff680cfe62a"/>
+  </ds:schemaRefs>
+</ds:datastoreItem>
 </file>
 
-<file path=customXml/itemProps1.xml><?xml version="1.0" encoding="utf-8"?>
-<ds:datastoreItem xmlns:ds="http://schemas.openxmlformats.org/officeDocument/2006/customXml" ds:itemID="{3CF1DEA9-651B-4C66-A45F-CA6D866736BB}">
+<file path=customXml/itemProps3.xml><?xml version="1.0" encoding="utf-8"?>
+<ds:datastoreItem xmlns:ds="http://schemas.openxmlformats.org/officeDocument/2006/customXml" ds:itemID="{F5D27B73-FB61-4047-8D65-11835F16A64D}">
   <ds:schemaRefs>
     <ds:schemaRef ds:uri="http://schemas.microsoft.com/office/2006/metadata/contentType"/>
     <ds:schemaRef ds:uri="http://schemas.microsoft.com/office/2006/metadata/properties/metaAttributes"/>
     <ds:schemaRef ds:uri="http://www.w3.org/2001/XMLSchema"/>
     <ds:schemaRef ds:uri="http://schemas.microsoft.com/office/2006/metadata/properties"/>
     <ds:schemaRef ds:uri="3b00a67f-9791-437e-b702-303a706ea042"/>
+    <ds:schemaRef ds:uri="7dc3d6ed-56f1-49b6-b310-0ff680cfe62a"/>
     <ds:schemaRef ds:uri="http://schemas.microsoft.com/office/2006/documentManagement/types"/>
     <ds:schemaRef ds:uri="http://schemas.microsoft.com/office/infopath/2007/PartnerControls"/>
     <ds:schemaRef ds:uri="http://schemas.openxmlformats.org/package/2006/metadata/core-properties"/>
@@ -3721,21 +4304,4 @@
     <ds:schemaRef ds:uri="http://schemas.microsoft.com/internal/obd"/>
   </ds:schemaRefs>
 </ds:datastoreItem>
-</file>
-
-<file path=customXml/itemProps2.xml><?xml version="1.0" encoding="utf-8"?>
-<ds:datastoreItem xmlns:ds="http://schemas.openxmlformats.org/officeDocument/2006/customXml" ds:itemID="{4E0EA61D-A54B-4D20-BBE7-6B4079EB5D4F}">
-  <ds:schemaRefs>
-    <ds:schemaRef ds:uri="http://schemas.microsoft.com/sharepoint/v3/contenttype/forms"/>
-  </ds:schemaRefs>
-</ds:datastoreItem>
-</file>
-
-<file path=customXml/itemProps3.xml><?xml version="1.0" encoding="utf-8"?>
-<ds:datastoreItem xmlns:ds="http://schemas.openxmlformats.org/officeDocument/2006/customXml" ds:itemID="{ECC4D8C3-78DB-4853-A836-2FB30DA86292}">
-  <ds:schemaRefs>
-    <ds:schemaRef ds:uri="http://schemas.microsoft.com/office/2006/metadata/properties"/>
-    <ds:schemaRef ds:uri="http://schemas.microsoft.com/office/infopath/2007/PartnerControls"/>
-  </ds:schemaRefs>
-</ds:datastoreItem>
 </file>